--- a/Poster.pptx
+++ b/Poster.pptx
@@ -104,6 +104,11 @@
       </a:defRPr>
     </a:lvl9pPr>
   </p:defaultTextStyle>
+  <p:extLst>
+    <p:ext uri="{EFAFB233-063F-42B5-8137-9DF3F51BA10A}">
+      <p15:sldGuideLst xmlns:p15="http://schemas.microsoft.com/office/powerpoint/2012/main"/>
+    </p:ext>
+  </p:extLst>
 </p:presentation>
 </file>
 
@@ -2966,29 +2971,257 @@
           <a:chExt cx="0" cy="0"/>
         </a:xfrm>
       </p:grpSpPr>
+      <p:sp>
+        <p:nvSpPr>
+          <p:cNvPr id="7" name="Rectangle 6"/>
+          <p:cNvSpPr/>
+          <p:nvPr/>
+        </p:nvSpPr>
+        <p:spPr>
+          <a:xfrm>
+            <a:off x="0" y="0"/>
+            <a:ext cx="30275213" cy="6890575"/>
+          </a:xfrm>
+          <a:prstGeom prst="rect">
+            <a:avLst/>
+          </a:prstGeom>
+        </p:spPr>
+        <p:style>
+          <a:lnRef idx="2">
+            <a:schemeClr val="accent1">
+              <a:shade val="50000"/>
+            </a:schemeClr>
+          </a:lnRef>
+          <a:fillRef idx="1">
+            <a:schemeClr val="accent1"/>
+          </a:fillRef>
+          <a:effectRef idx="0">
+            <a:schemeClr val="accent1"/>
+          </a:effectRef>
+          <a:fontRef idx="minor">
+            <a:schemeClr val="lt1"/>
+          </a:fontRef>
+        </p:style>
+        <p:txBody>
+          <a:bodyPr rtlCol="0" anchor="ctr"/>
+          <a:lstStyle/>
+          <a:p>
+            <a:pPr algn="ctr"/>
+            <a:endParaRPr lang="en-GB"/>
+          </a:p>
+        </p:txBody>
+      </p:sp>
+      <p:sp>
+        <p:nvSpPr>
+          <p:cNvPr id="4" name="TextBox 3"/>
+          <p:cNvSpPr txBox="1"/>
+          <p:nvPr/>
+        </p:nvSpPr>
+        <p:spPr>
+          <a:xfrm>
+            <a:off x="620486" y="620484"/>
+            <a:ext cx="29195485" cy="5324535"/>
+          </a:xfrm>
+          <a:prstGeom prst="rect">
+            <a:avLst/>
+          </a:prstGeom>
+          <a:noFill/>
+        </p:spPr>
+        <p:txBody>
+          <a:bodyPr wrap="square" rtlCol="0">
+            <a:spAutoFit/>
+          </a:bodyPr>
+          <a:lstStyle/>
+          <a:p>
+            <a:r>
+              <a:rPr lang="en-GB" sz="14000" dirty="0"/>
+              <a:t>S</a:t>
+            </a:r>
+            <a:r>
+              <a:rPr lang="en-GB" sz="14000" dirty="0" smtClean="0"/>
+              <a:t>peaker recognition – Getting gender and accent of the speaker.</a:t>
+            </a:r>
+          </a:p>
+          <a:p>
+            <a:r>
+              <a:rPr lang="en-GB" sz="6000" dirty="0" smtClean="0"/>
+              <a:t>By: Risto </a:t>
+            </a:r>
+            <a:r>
+              <a:rPr lang="en-GB" sz="6000" dirty="0" err="1" smtClean="0"/>
+              <a:t>Rahulan</a:t>
+            </a:r>
+            <a:r>
+              <a:rPr lang="en-GB" sz="6000" dirty="0" smtClean="0"/>
+              <a:t> and Frederik </a:t>
+            </a:r>
+            <a:r>
+              <a:rPr lang="en-GB" sz="6000" dirty="0" err="1" smtClean="0"/>
+              <a:t>Raud</a:t>
+            </a:r>
+            <a:endParaRPr lang="en-GB" sz="6000" dirty="0"/>
+          </a:p>
+        </p:txBody>
+      </p:sp>
+      <p:sp>
+        <p:nvSpPr>
+          <p:cNvPr id="5" name="TextBox 4"/>
+          <p:cNvSpPr txBox="1"/>
+          <p:nvPr/>
+        </p:nvSpPr>
+        <p:spPr>
+          <a:xfrm>
+            <a:off x="620486" y="7103293"/>
+            <a:ext cx="10196286" cy="3280129"/>
+          </a:xfrm>
+          <a:prstGeom prst="rect">
+            <a:avLst/>
+          </a:prstGeom>
+          <a:noFill/>
+        </p:spPr>
+        <p:txBody>
+          <a:bodyPr wrap="square" rtlCol="0">
+            <a:spAutoFit/>
+          </a:bodyPr>
+          <a:lstStyle/>
+          <a:p>
+            <a:r>
+              <a:rPr lang="en-GB" dirty="0" smtClean="0"/>
+              <a:t>Introduction</a:t>
+            </a:r>
+          </a:p>
+          <a:p>
+            <a:endParaRPr lang="en-GB" dirty="0"/>
+          </a:p>
+          <a:p>
+            <a:endParaRPr lang="en-GB" dirty="0"/>
+          </a:p>
+        </p:txBody>
+      </p:sp>
+      <p:sp>
+        <p:nvSpPr>
+          <p:cNvPr id="6" name="TextBox 5"/>
+          <p:cNvSpPr txBox="1"/>
+          <p:nvPr/>
+        </p:nvSpPr>
+        <p:spPr>
+          <a:xfrm>
+            <a:off x="18017102" y="7486706"/>
+            <a:ext cx="6418267" cy="7679795"/>
+          </a:xfrm>
+          <a:prstGeom prst="rect">
+            <a:avLst/>
+          </a:prstGeom>
+          <a:noFill/>
+        </p:spPr>
+        <p:txBody>
+          <a:bodyPr wrap="square" rtlCol="0">
+            <a:spAutoFit/>
+          </a:bodyPr>
+          <a:lstStyle/>
+          <a:p>
+            <a:r>
+              <a:rPr lang="en-GB" dirty="0" smtClean="0"/>
+              <a:t>DATA</a:t>
+            </a:r>
+          </a:p>
+          <a:p>
+            <a:endParaRPr lang="en-GB" sz="4000" dirty="0"/>
+          </a:p>
+          <a:p>
+            <a:r>
+              <a:rPr lang="en-GB" sz="3200" dirty="0" smtClean="0"/>
+              <a:t>Common Voice by Mozilla</a:t>
+            </a:r>
+          </a:p>
+          <a:p>
+            <a:r>
+              <a:rPr lang="en-GB" sz="3200" dirty="0" smtClean="0"/>
+              <a:t>Datasets included audio files, age, gender, accent, text</a:t>
+            </a:r>
+          </a:p>
+          <a:p>
+            <a:endParaRPr lang="en-GB" sz="3200" dirty="0" smtClean="0"/>
+          </a:p>
+          <a:p>
+            <a:r>
+              <a:rPr lang="en-GB" sz="3200" dirty="0" smtClean="0"/>
+              <a:t>- Estonian dataset</a:t>
+            </a:r>
+          </a:p>
+          <a:p>
+            <a:r>
+              <a:rPr lang="en-GB" sz="3200" dirty="0"/>
+              <a:t> </a:t>
+            </a:r>
+            <a:r>
+              <a:rPr lang="en-GB" sz="3200" dirty="0" smtClean="0"/>
+              <a:t>  - 12 hours of audio</a:t>
+            </a:r>
+          </a:p>
+          <a:p>
+            <a:r>
+              <a:rPr lang="en-GB" sz="3200" dirty="0"/>
+              <a:t> </a:t>
+            </a:r>
+            <a:r>
+              <a:rPr lang="en-GB" sz="3200" dirty="0" smtClean="0"/>
+              <a:t>  - 225 different voices</a:t>
+            </a:r>
+          </a:p>
+          <a:p>
+            <a:endParaRPr lang="en-GB" sz="3200" dirty="0" smtClean="0"/>
+          </a:p>
+          <a:p>
+            <a:r>
+              <a:rPr lang="en-GB" sz="3200" dirty="0" smtClean="0"/>
+              <a:t>- English dataset</a:t>
+            </a:r>
+          </a:p>
+          <a:p>
+            <a:r>
+              <a:rPr lang="en-GB" sz="3200" dirty="0" smtClean="0"/>
+              <a:t>   - 1087 hours of audio</a:t>
+            </a:r>
+          </a:p>
+          <a:p>
+            <a:r>
+              <a:rPr lang="en-GB" sz="3200" dirty="0" smtClean="0"/>
+              <a:t>   - 39 577 different voices</a:t>
+            </a:r>
+            <a:endParaRPr lang="en-GB" sz="3200" dirty="0"/>
+          </a:p>
+          <a:p>
+            <a:r>
+              <a:rPr lang="en-GB" sz="3200" dirty="0" smtClean="0"/>
+              <a:t>   - Includes accents</a:t>
+            </a:r>
+          </a:p>
+        </p:txBody>
+      </p:sp>
       <p:graphicFrame>
         <p:nvGraphicFramePr>
-          <p:cNvPr id="10" name="Object 9"/>
+          <p:cNvPr id="8" name="Object 7"/>
           <p:cNvGraphicFramePr>
             <a:graphicFrameLocks noChangeAspect="1"/>
           </p:cNvGraphicFramePr>
           <p:nvPr>
             <p:extLst>
               <p:ext uri="{D42A27DB-BD31-4B8C-83A1-F6EECF244321}">
-                <p14:modId xmlns:p14="http://schemas.microsoft.com/office/powerpoint/2010/main" val="4159937025"/>
+                <p14:modId xmlns:p14="http://schemas.microsoft.com/office/powerpoint/2010/main" val="3184870974"/>
               </p:ext>
             </p:extLst>
           </p:nvPr>
         </p:nvGraphicFramePr>
         <p:xfrm>
-          <a:off x="18755299" y="2739366"/>
-          <a:ext cx="11552678" cy="4151209"/>
+          <a:off x="18788063" y="30980289"/>
+          <a:ext cx="11487150" cy="11544300"/>
         </p:xfrm>
         <a:graphic>
           <a:graphicData uri="http://schemas.openxmlformats.org/presentationml/2006/ole">
             <mc:AlternateContent xmlns:mc="http://schemas.openxmlformats.org/markup-compatibility/2006">
               <mc:Choice xmlns:v="urn:schemas-microsoft-com:vml" Requires="v">
-                <p:oleObj spid="_x0000_s1039" name="PDF" r:id="rId3" imgW="0" imgH="360" progId="FoxitReader.Document">
+                <p:oleObj spid="_x0000_s1054" name="PDF" r:id="rId3" imgW="0" imgH="360" progId="FoxitReader.Document">
                   <p:embed/>
                 </p:oleObj>
               </mc:Choice>
@@ -3009,8 +3242,8 @@
                     </p:blipFill>
                     <p:spPr>
                       <a:xfrm>
-                        <a:off x="18755299" y="2739366"/>
-                        <a:ext cx="11552678" cy="4151209"/>
+                        <a:off x="18788063" y="30980289"/>
+                        <a:ext cx="11487150" cy="11544300"/>
                       </a:xfrm>
                       <a:prstGeom prst="rect">
                         <a:avLst/>
@@ -3025,14 +3258,14 @@
       </p:graphicFrame>
       <p:sp>
         <p:nvSpPr>
-          <p:cNvPr id="4" name="TextBox 3"/>
+          <p:cNvPr id="9" name="TextBox 8"/>
           <p:cNvSpPr txBox="1"/>
           <p:nvPr/>
         </p:nvSpPr>
         <p:spPr>
           <a:xfrm>
-            <a:off x="620486" y="620484"/>
-            <a:ext cx="29195485" cy="5324535"/>
+            <a:off x="12418828" y="30980289"/>
+            <a:ext cx="7066111" cy="6649513"/>
           </a:xfrm>
           <a:prstGeom prst="rect">
             <a:avLst/>
@@ -3046,198 +3279,131 @@
           <a:lstStyle/>
           <a:p>
             <a:r>
-              <a:rPr lang="en-GB" sz="14000" dirty="0"/>
+              <a:rPr lang="en-GB" dirty="0" smtClean="0"/>
+              <a:t>FEATURES:</a:t>
+            </a:r>
+          </a:p>
+          <a:p>
+            <a:endParaRPr lang="en-GB" sz="3200" dirty="0"/>
+          </a:p>
+          <a:p>
+            <a:pPr marL="457200" indent="-457200">
+              <a:buFont typeface="Arial" panose="020B0604020202020204" pitchFamily="34" charset="0"/>
+              <a:buChar char="•"/>
+            </a:pPr>
+            <a:r>
+              <a:rPr lang="en-GB" sz="3200" dirty="0" smtClean="0"/>
+              <a:t>Zero crossing rate</a:t>
+            </a:r>
+          </a:p>
+          <a:p>
+            <a:pPr marL="457200" indent="-457200">
+              <a:buFont typeface="Arial" panose="020B0604020202020204" pitchFamily="34" charset="0"/>
+              <a:buChar char="•"/>
+            </a:pPr>
+            <a:r>
+              <a:rPr lang="en-GB" sz="3200" dirty="0" smtClean="0"/>
+              <a:t>Spectral roll-off</a:t>
+            </a:r>
+          </a:p>
+          <a:p>
+            <a:pPr marL="457200" indent="-457200">
+              <a:buFont typeface="Arial" panose="020B0604020202020204" pitchFamily="34" charset="0"/>
+              <a:buChar char="•"/>
+            </a:pPr>
+            <a:r>
+              <a:rPr lang="en-GB" sz="3200" dirty="0"/>
               <a:t>S</a:t>
             </a:r>
             <a:r>
-              <a:rPr lang="en-GB" sz="14000" dirty="0" smtClean="0"/>
-              <a:t>peaker recognition – Getting gender and accent of the speaker.</a:t>
-            </a:r>
-          </a:p>
-          <a:p>
-            <a:r>
-              <a:rPr lang="en-GB" sz="6000" dirty="0" smtClean="0"/>
-              <a:t>By: Risto </a:t>
-            </a:r>
-            <a:r>
-              <a:rPr lang="en-GB" sz="6000" dirty="0" err="1" smtClean="0"/>
-              <a:t>Rahulan</a:t>
-            </a:r>
-            <a:r>
-              <a:rPr lang="en-GB" sz="6000" dirty="0" smtClean="0"/>
-              <a:t> and Frederik </a:t>
-            </a:r>
-            <a:r>
-              <a:rPr lang="en-GB" sz="6000" dirty="0" err="1" smtClean="0"/>
-              <a:t>Raud</a:t>
-            </a:r>
-            <a:endParaRPr lang="en-GB" sz="6000" dirty="0"/>
-          </a:p>
-        </p:txBody>
-      </p:sp>
-      <p:sp>
-        <p:nvSpPr>
-          <p:cNvPr id="5" name="TextBox 4"/>
-          <p:cNvSpPr txBox="1"/>
-          <p:nvPr/>
-        </p:nvSpPr>
-        <p:spPr>
-          <a:xfrm>
-            <a:off x="620486" y="7103293"/>
-            <a:ext cx="10196286" cy="3280129"/>
-          </a:xfrm>
-          <a:prstGeom prst="rect">
-            <a:avLst/>
-          </a:prstGeom>
-          <a:noFill/>
-        </p:spPr>
-        <p:txBody>
-          <a:bodyPr wrap="square" rtlCol="0">
-            <a:spAutoFit/>
-          </a:bodyPr>
-          <a:lstStyle/>
-          <a:p>
-            <a:r>
-              <a:rPr lang="en-GB" dirty="0" smtClean="0"/>
-              <a:t>Introduction</a:t>
-            </a:r>
+              <a:rPr lang="en-GB" sz="3200" dirty="0" smtClean="0"/>
+              <a:t>pectral centroid</a:t>
+            </a:r>
+          </a:p>
+          <a:p>
+            <a:pPr marL="457200" indent="-457200">
+              <a:buFont typeface="Arial" panose="020B0604020202020204" pitchFamily="34" charset="0"/>
+              <a:buChar char="•"/>
+            </a:pPr>
+            <a:r>
+              <a:rPr lang="en-GB" sz="3200" dirty="0"/>
+              <a:t>S</a:t>
+            </a:r>
+            <a:r>
+              <a:rPr lang="en-GB" sz="3200" dirty="0" smtClean="0"/>
+              <a:t>pectral bandwidth</a:t>
+            </a:r>
+          </a:p>
+          <a:p>
+            <a:pPr marL="457200" indent="-457200">
+              <a:buFont typeface="Arial" panose="020B0604020202020204" pitchFamily="34" charset="0"/>
+              <a:buChar char="•"/>
+            </a:pPr>
+            <a:r>
+              <a:rPr lang="en-GB" sz="3200" dirty="0" err="1" smtClean="0"/>
+              <a:t>Chromagram</a:t>
+            </a:r>
+            <a:endParaRPr lang="en-GB" sz="3200" dirty="0" smtClean="0"/>
+          </a:p>
+          <a:p>
+            <a:pPr marL="457200" indent="-457200">
+              <a:buFont typeface="Arial" panose="020B0604020202020204" pitchFamily="34" charset="0"/>
+              <a:buChar char="•"/>
+            </a:pPr>
+            <a:r>
+              <a:rPr lang="en-GB" sz="3200" dirty="0" smtClean="0"/>
+              <a:t>Mel-frequency </a:t>
+            </a:r>
+            <a:r>
+              <a:rPr lang="en-GB" sz="3200" dirty="0" err="1" smtClean="0"/>
+              <a:t>cepstral</a:t>
+            </a:r>
+            <a:r>
+              <a:rPr lang="en-GB" sz="3200" dirty="0" smtClean="0"/>
+              <a:t> coefficients</a:t>
+            </a:r>
+          </a:p>
+          <a:p>
+            <a:pPr marL="457200" indent="-457200">
+              <a:buFont typeface="Arial" panose="020B0604020202020204" pitchFamily="34" charset="0"/>
+              <a:buChar char="•"/>
+            </a:pPr>
+            <a:r>
+              <a:rPr lang="en-GB" sz="3200" dirty="0" smtClean="0"/>
+              <a:t>Root-mean-square</a:t>
+            </a:r>
+          </a:p>
+          <a:p>
+            <a:endParaRPr lang="en-GB" sz="3200" dirty="0" smtClean="0"/>
           </a:p>
           <a:p>
             <a:endParaRPr lang="en-GB" dirty="0"/>
-          </a:p>
-          <a:p>
-            <a:endParaRPr lang="en-GB" dirty="0"/>
-          </a:p>
-        </p:txBody>
-      </p:sp>
-      <p:sp>
-        <p:nvSpPr>
-          <p:cNvPr id="6" name="TextBox 5"/>
-          <p:cNvSpPr txBox="1"/>
-          <p:nvPr/>
-        </p:nvSpPr>
-        <p:spPr>
-          <a:xfrm>
-            <a:off x="23071133" y="7103293"/>
-            <a:ext cx="6418267" cy="9604168"/>
-          </a:xfrm>
-          <a:prstGeom prst="rect">
-            <a:avLst/>
-          </a:prstGeom>
-          <a:noFill/>
-        </p:spPr>
-        <p:txBody>
-          <a:bodyPr wrap="square" rtlCol="0">
-            <a:spAutoFit/>
-          </a:bodyPr>
-          <a:lstStyle/>
-          <a:p>
-            <a:r>
-              <a:rPr lang="en-GB" dirty="0" smtClean="0"/>
-              <a:t>DATA</a:t>
-            </a:r>
-          </a:p>
-          <a:p>
-            <a:endParaRPr lang="en-GB" dirty="0"/>
-          </a:p>
-          <a:p>
-            <a:r>
-              <a:rPr lang="en-GB" sz="4000" dirty="0" smtClean="0"/>
-              <a:t>Common Voice by Mozilla</a:t>
-            </a:r>
-          </a:p>
-          <a:p>
-            <a:r>
-              <a:rPr lang="en-GB" sz="4000" dirty="0" smtClean="0"/>
-              <a:t>Datasets included audio files, age, gender, accent, text</a:t>
-            </a:r>
-          </a:p>
-          <a:p>
-            <a:endParaRPr lang="en-GB" sz="4000" dirty="0" smtClean="0"/>
-          </a:p>
-          <a:p>
-            <a:r>
-              <a:rPr lang="en-GB" sz="4000" dirty="0" smtClean="0"/>
-              <a:t>- Estonian dataset</a:t>
-            </a:r>
-          </a:p>
-          <a:p>
-            <a:r>
-              <a:rPr lang="en-GB" sz="4000" dirty="0"/>
-              <a:t> </a:t>
-            </a:r>
-            <a:r>
-              <a:rPr lang="en-GB" sz="4000" dirty="0" smtClean="0"/>
-              <a:t>  - 12 hours of audio</a:t>
-            </a:r>
-          </a:p>
-          <a:p>
-            <a:r>
-              <a:rPr lang="en-GB" sz="4000" dirty="0"/>
-              <a:t> </a:t>
-            </a:r>
-            <a:r>
-              <a:rPr lang="en-GB" sz="4000" dirty="0" smtClean="0"/>
-              <a:t>  - 225 different voices</a:t>
-            </a:r>
-          </a:p>
-          <a:p>
-            <a:endParaRPr lang="en-GB" sz="4000" dirty="0" smtClean="0"/>
-          </a:p>
-          <a:p>
-            <a:r>
-              <a:rPr lang="en-GB" sz="4000" dirty="0" smtClean="0"/>
-              <a:t>- English dataset</a:t>
-            </a:r>
-          </a:p>
-          <a:p>
-            <a:r>
-              <a:rPr lang="en-GB" sz="4000" dirty="0" smtClean="0"/>
-              <a:t>   - </a:t>
-            </a:r>
-            <a:r>
-              <a:rPr lang="en-GB" sz="4000" dirty="0" smtClean="0"/>
-              <a:t>1087 hours of audio</a:t>
-            </a:r>
-          </a:p>
-          <a:p>
-            <a:r>
-              <a:rPr lang="en-GB" sz="4000" dirty="0" smtClean="0"/>
-              <a:t>   - 39 577 different voices</a:t>
-            </a:r>
-            <a:endParaRPr lang="en-GB" sz="4000" dirty="0"/>
-          </a:p>
-          <a:p>
-            <a:r>
-              <a:rPr lang="en-GB" sz="4000" dirty="0" smtClean="0"/>
-              <a:t>   - Includes accents</a:t>
-            </a:r>
           </a:p>
         </p:txBody>
       </p:sp>
       <p:graphicFrame>
         <p:nvGraphicFramePr>
-          <p:cNvPr id="8" name="Object 7"/>
+          <p:cNvPr id="12" name="Object 11"/>
           <p:cNvGraphicFramePr>
             <a:graphicFrameLocks noChangeAspect="1"/>
           </p:cNvGraphicFramePr>
           <p:nvPr>
             <p:extLst>
               <p:ext uri="{D42A27DB-BD31-4B8C-83A1-F6EECF244321}">
-                <p14:modId xmlns:p14="http://schemas.microsoft.com/office/powerpoint/2010/main" val="3184870974"/>
+                <p14:modId xmlns:p14="http://schemas.microsoft.com/office/powerpoint/2010/main" val="1026983015"/>
               </p:ext>
             </p:extLst>
           </p:nvPr>
         </p:nvGraphicFramePr>
         <p:xfrm>
-          <a:off x="18788063" y="30980289"/>
-          <a:ext cx="11487150" cy="11544300"/>
+          <a:off x="24872689" y="14226430"/>
+          <a:ext cx="5137728" cy="3444882"/>
         </p:xfrm>
         <a:graphic>
           <a:graphicData uri="http://schemas.openxmlformats.org/presentationml/2006/ole">
             <mc:AlternateContent xmlns:mc="http://schemas.openxmlformats.org/markup-compatibility/2006">
               <mc:Choice xmlns:v="urn:schemas-microsoft-com:vml" Requires="v">
-                <p:oleObj spid="_x0000_s1040" name="PDF" r:id="rId5" imgW="0" imgH="360" progId="FoxitReader.Document">
+                <p:oleObj spid="_x0000_s1055" name="PDF" r:id="rId5" imgW="0" imgH="360" progId="FoxitReader.Document">
                   <p:embed/>
                 </p:oleObj>
               </mc:Choice>
@@ -3258,8 +3424,8 @@
                     </p:blipFill>
                     <p:spPr>
                       <a:xfrm>
-                        <a:off x="18788063" y="30980289"/>
-                        <a:ext cx="11487150" cy="11544300"/>
+                        <a:off x="24872689" y="14226430"/>
+                        <a:ext cx="5137728" cy="3444882"/>
                       </a:xfrm>
                       <a:prstGeom prst="rect">
                         <a:avLst/>
@@ -3272,154 +3438,29 @@
           </a:graphicData>
         </a:graphic>
       </p:graphicFrame>
-      <p:sp>
-        <p:nvSpPr>
-          <p:cNvPr id="9" name="TextBox 8"/>
-          <p:cNvSpPr txBox="1"/>
-          <p:nvPr/>
-        </p:nvSpPr>
-        <p:spPr>
-          <a:xfrm>
-            <a:off x="12418828" y="30980289"/>
-            <a:ext cx="7066111" cy="6649513"/>
-          </a:xfrm>
-          <a:prstGeom prst="rect">
-            <a:avLst/>
-          </a:prstGeom>
-          <a:noFill/>
-        </p:spPr>
-        <p:txBody>
-          <a:bodyPr wrap="square" rtlCol="0">
-            <a:spAutoFit/>
-          </a:bodyPr>
-          <a:lstStyle/>
-          <a:p>
-            <a:r>
-              <a:rPr lang="en-GB" dirty="0" smtClean="0"/>
-              <a:t>FEATURES:</a:t>
-            </a:r>
-          </a:p>
-          <a:p>
-            <a:endParaRPr lang="en-GB" sz="3200" dirty="0"/>
-          </a:p>
-          <a:p>
-            <a:pPr marL="457200" indent="-457200">
-              <a:buFont typeface="Arial" panose="020B0604020202020204" pitchFamily="34" charset="0"/>
-              <a:buChar char="•"/>
-            </a:pPr>
-            <a:r>
-              <a:rPr lang="en-GB" sz="3200" dirty="0" smtClean="0"/>
-              <a:t>Zero crossing rate</a:t>
-            </a:r>
-          </a:p>
-          <a:p>
-            <a:pPr marL="457200" indent="-457200">
-              <a:buFont typeface="Arial" panose="020B0604020202020204" pitchFamily="34" charset="0"/>
-              <a:buChar char="•"/>
-            </a:pPr>
-            <a:r>
-              <a:rPr lang="en-GB" sz="3200" dirty="0" smtClean="0"/>
-              <a:t>Spectral roll-off</a:t>
-            </a:r>
-          </a:p>
-          <a:p>
-            <a:pPr marL="457200" indent="-457200">
-              <a:buFont typeface="Arial" panose="020B0604020202020204" pitchFamily="34" charset="0"/>
-              <a:buChar char="•"/>
-            </a:pPr>
-            <a:r>
-              <a:rPr lang="en-GB" sz="3200" dirty="0"/>
-              <a:t>S</a:t>
-            </a:r>
-            <a:r>
-              <a:rPr lang="en-GB" sz="3200" dirty="0" smtClean="0"/>
-              <a:t>pectral centroid</a:t>
-            </a:r>
-          </a:p>
-          <a:p>
-            <a:pPr marL="457200" indent="-457200">
-              <a:buFont typeface="Arial" panose="020B0604020202020204" pitchFamily="34" charset="0"/>
-              <a:buChar char="•"/>
-            </a:pPr>
-            <a:r>
-              <a:rPr lang="en-GB" sz="3200" dirty="0"/>
-              <a:t>S</a:t>
-            </a:r>
-            <a:r>
-              <a:rPr lang="en-GB" sz="3200" dirty="0" smtClean="0"/>
-              <a:t>pectral bandwidth</a:t>
-            </a:r>
-          </a:p>
-          <a:p>
-            <a:pPr marL="457200" indent="-457200">
-              <a:buFont typeface="Arial" panose="020B0604020202020204" pitchFamily="34" charset="0"/>
-              <a:buChar char="•"/>
-            </a:pPr>
-            <a:r>
-              <a:rPr lang="en-GB" sz="3200" dirty="0" err="1" smtClean="0"/>
-              <a:t>Chromagram</a:t>
-            </a:r>
-            <a:endParaRPr lang="en-GB" sz="3200" dirty="0" smtClean="0"/>
-          </a:p>
-          <a:p>
-            <a:pPr marL="457200" indent="-457200">
-              <a:buFont typeface="Arial" panose="020B0604020202020204" pitchFamily="34" charset="0"/>
-              <a:buChar char="•"/>
-            </a:pPr>
-            <a:r>
-              <a:rPr lang="en-GB" sz="3200" dirty="0" smtClean="0"/>
-              <a:t>Mel-frequency </a:t>
-            </a:r>
-            <a:r>
-              <a:rPr lang="en-GB" sz="3200" dirty="0" err="1" smtClean="0"/>
-              <a:t>cepstral</a:t>
-            </a:r>
-            <a:r>
-              <a:rPr lang="en-GB" sz="3200" dirty="0" smtClean="0"/>
-              <a:t> coefficients</a:t>
-            </a:r>
-          </a:p>
-          <a:p>
-            <a:pPr marL="457200" indent="-457200">
-              <a:buFont typeface="Arial" panose="020B0604020202020204" pitchFamily="34" charset="0"/>
-              <a:buChar char="•"/>
-            </a:pPr>
-            <a:r>
-              <a:rPr lang="en-GB" sz="3200" dirty="0" smtClean="0"/>
-              <a:t>Root-mean-square</a:t>
-            </a:r>
-          </a:p>
-          <a:p>
-            <a:endParaRPr lang="en-GB" sz="3200" dirty="0" smtClean="0"/>
-          </a:p>
-          <a:p>
-            <a:endParaRPr lang="en-GB" dirty="0"/>
-          </a:p>
-        </p:txBody>
-      </p:sp>
       <p:graphicFrame>
         <p:nvGraphicFramePr>
-          <p:cNvPr id="12" name="Object 11"/>
+          <p:cNvPr id="16" name="Object 15"/>
           <p:cNvGraphicFramePr>
             <a:graphicFrameLocks noChangeAspect="1"/>
           </p:cNvGraphicFramePr>
           <p:nvPr>
             <p:extLst>
               <p:ext uri="{D42A27DB-BD31-4B8C-83A1-F6EECF244321}">
-                <p14:modId xmlns:p14="http://schemas.microsoft.com/office/powerpoint/2010/main" val="1828332766"/>
+                <p14:modId xmlns:p14="http://schemas.microsoft.com/office/powerpoint/2010/main" val="1249800984"/>
               </p:ext>
             </p:extLst>
           </p:nvPr>
         </p:nvGraphicFramePr>
         <p:xfrm>
-          <a:off x="20708366" y="16944838"/>
-          <a:ext cx="4725534" cy="3168503"/>
+          <a:off x="25036840" y="10820889"/>
+          <a:ext cx="4809427" cy="3224754"/>
         </p:xfrm>
         <a:graphic>
           <a:graphicData uri="http://schemas.openxmlformats.org/presentationml/2006/ole">
             <mc:AlternateContent xmlns:mc="http://schemas.openxmlformats.org/markup-compatibility/2006">
               <mc:Choice xmlns:v="urn:schemas-microsoft-com:vml" Requires="v">
-                <p:oleObj spid="_x0000_s1041" name="PDF" r:id="rId7" imgW="0" imgH="360" progId="FoxitReader.Document">
+                <p:oleObj spid="_x0000_s1056" name="PDF" r:id="rId7" imgW="0" imgH="360" progId="FoxitReader.Document">
                   <p:embed/>
                 </p:oleObj>
               </mc:Choice>
@@ -3440,8 +3481,8 @@
                     </p:blipFill>
                     <p:spPr>
                       <a:xfrm>
-                        <a:off x="20708366" y="16944838"/>
-                        <a:ext cx="4725534" cy="3168503"/>
+                        <a:off x="25036840" y="10820889"/>
+                        <a:ext cx="4809427" cy="3224754"/>
                       </a:xfrm>
                       <a:prstGeom prst="rect">
                         <a:avLst/>
@@ -3456,27 +3497,27 @@
       </p:graphicFrame>
       <p:graphicFrame>
         <p:nvGraphicFramePr>
-          <p:cNvPr id="16" name="Object 15"/>
+          <p:cNvPr id="17" name="Object 16"/>
           <p:cNvGraphicFramePr>
             <a:graphicFrameLocks noChangeAspect="1"/>
           </p:cNvGraphicFramePr>
           <p:nvPr>
             <p:extLst>
               <p:ext uri="{D42A27DB-BD31-4B8C-83A1-F6EECF244321}">
-                <p14:modId xmlns:p14="http://schemas.microsoft.com/office/powerpoint/2010/main" val="2649542929"/>
+                <p14:modId xmlns:p14="http://schemas.microsoft.com/office/powerpoint/2010/main" val="2888897757"/>
               </p:ext>
             </p:extLst>
           </p:nvPr>
         </p:nvGraphicFramePr>
         <p:xfrm>
-          <a:off x="25793079" y="17026439"/>
-          <a:ext cx="4482134" cy="3005302"/>
+          <a:off x="25036840" y="7486706"/>
+          <a:ext cx="4703003" cy="3153396"/>
         </p:xfrm>
         <a:graphic>
           <a:graphicData uri="http://schemas.openxmlformats.org/presentationml/2006/ole">
             <mc:AlternateContent xmlns:mc="http://schemas.openxmlformats.org/markup-compatibility/2006">
               <mc:Choice xmlns:v="urn:schemas-microsoft-com:vml" Requires="v">
-                <p:oleObj spid="_x0000_s1042" name="PDF" r:id="rId9" imgW="0" imgH="360" progId="FoxitReader.Document">
+                <p:oleObj spid="_x0000_s1057" name="PDF" r:id="rId9" imgW="0" imgH="360" progId="FoxitReader.Document">
                   <p:embed/>
                 </p:oleObj>
               </mc:Choice>
@@ -3497,8 +3538,8 @@
                     </p:blipFill>
                     <p:spPr>
                       <a:xfrm>
-                        <a:off x="25793079" y="17026439"/>
-                        <a:ext cx="4482134" cy="3005302"/>
+                        <a:off x="25036840" y="7486706"/>
+                        <a:ext cx="4703003" cy="3153396"/>
                       </a:xfrm>
                       <a:prstGeom prst="rect">
                         <a:avLst/>
@@ -3511,29 +3552,58 @@
           </a:graphicData>
         </a:graphic>
       </p:graphicFrame>
+      <p:sp>
+        <p:nvSpPr>
+          <p:cNvPr id="18" name="TextBox 17"/>
+          <p:cNvSpPr txBox="1"/>
+          <p:nvPr/>
+        </p:nvSpPr>
+        <p:spPr>
+          <a:xfrm>
+            <a:off x="191386" y="41648831"/>
+            <a:ext cx="11653284" cy="1154932"/>
+          </a:xfrm>
+          <a:prstGeom prst="rect">
+            <a:avLst/>
+          </a:prstGeom>
+          <a:noFill/>
+        </p:spPr>
+        <p:txBody>
+          <a:bodyPr wrap="square" rtlCol="0">
+            <a:spAutoFit/>
+          </a:bodyPr>
+          <a:lstStyle/>
+          <a:p>
+            <a:r>
+              <a:rPr lang="en-GB" dirty="0" smtClean="0"/>
+              <a:t>References:</a:t>
+            </a:r>
+          </a:p>
+        </p:txBody>
+      </p:sp>
       <p:graphicFrame>
         <p:nvGraphicFramePr>
-          <p:cNvPr id="17" name="Object 16"/>
+          <p:cNvPr id="3" name="Object 2"/>
           <p:cNvGraphicFramePr>
             <a:graphicFrameLocks noChangeAspect="1"/>
           </p:cNvGraphicFramePr>
           <p:nvPr>
             <p:extLst>
               <p:ext uri="{D42A27DB-BD31-4B8C-83A1-F6EECF244321}">
-                <p14:modId xmlns:p14="http://schemas.microsoft.com/office/powerpoint/2010/main" val="2042979320"/>
+                <p14:modId xmlns:p14="http://schemas.microsoft.com/office/powerpoint/2010/main" val="1816699979"/>
               </p:ext>
             </p:extLst>
           </p:nvPr>
         </p:nvGraphicFramePr>
         <p:xfrm>
-          <a:off x="25955025" y="20217847"/>
-          <a:ext cx="4320188" cy="2896716"/>
+          <a:off x="16876059" y="38395835"/>
+          <a:ext cx="2963485" cy="2976281"/>
         </p:xfrm>
         <a:graphic>
           <a:graphicData uri="http://schemas.openxmlformats.org/presentationml/2006/ole">
             <mc:AlternateContent xmlns:mc="http://schemas.openxmlformats.org/markup-compatibility/2006">
               <mc:Choice xmlns:v="urn:schemas-microsoft-com:vml" Requires="v">
-                <p:oleObj spid="_x0000_s1043" name="PDF" r:id="rId11" imgW="0" imgH="360" progId="FoxitReader.Document">
+                <p:oleObj spid="_x0000_s1058" name="PDF" r:id="rId11" imgW="0" imgH="360" progId="FoxitReader.Document">
                   <p:embed/>
                 </p:oleObj>
               </mc:Choice>
@@ -3554,8 +3624,8 @@
                     </p:blipFill>
                     <p:spPr>
                       <a:xfrm>
-                        <a:off x="25955025" y="20217847"/>
-                        <a:ext cx="4320188" cy="2896716"/>
+                        <a:off x="16876059" y="38395835"/>
+                        <a:ext cx="2963485" cy="2976281"/>
                       </a:xfrm>
                       <a:prstGeom prst="rect">
                         <a:avLst/>
@@ -3568,35 +3638,36 @@
           </a:graphicData>
         </a:graphic>
       </p:graphicFrame>
-      <p:sp>
-        <p:nvSpPr>
-          <p:cNvPr id="18" name="TextBox 17"/>
-          <p:cNvSpPr txBox="1"/>
+      <p:pic>
+        <p:nvPicPr>
+          <p:cNvPr id="24" name="Picture 23"/>
+          <p:cNvPicPr>
+            <a:picLocks noChangeAspect="1"/>
+          </p:cNvPicPr>
           <p:nvPr/>
-        </p:nvSpPr>
+        </p:nvPicPr>
+        <p:blipFill>
+          <a:blip r:embed="rId13">
+            <a:extLst>
+              <a:ext uri="{28A0092B-C50C-407E-A947-70E740481C1C}">
+                <a14:useLocalDpi xmlns:a14="http://schemas.microsoft.com/office/drawing/2010/main" val="0"/>
+              </a:ext>
+            </a:extLst>
+          </a:blip>
+          <a:stretch>
+            <a:fillRect/>
+          </a:stretch>
+        </p:blipFill>
         <p:spPr>
           <a:xfrm>
-            <a:off x="191386" y="41648831"/>
-            <a:ext cx="11653284" cy="1154932"/>
+            <a:off x="18017102" y="2488018"/>
+            <a:ext cx="12258111" cy="4377897"/>
           </a:xfrm>
           <a:prstGeom prst="rect">
             <a:avLst/>
           </a:prstGeom>
-          <a:noFill/>
         </p:spPr>
-        <p:txBody>
-          <a:bodyPr wrap="square" rtlCol="0">
-            <a:spAutoFit/>
-          </a:bodyPr>
-          <a:lstStyle/>
-          <a:p>
-            <a:r>
-              <a:rPr lang="en-GB" dirty="0" smtClean="0"/>
-              <a:t>References:</a:t>
-            </a:r>
-          </a:p>
-        </p:txBody>
-      </p:sp>
+      </p:pic>
     </p:spTree>
     <p:extLst>
       <p:ext uri="{BB962C8B-B14F-4D97-AF65-F5344CB8AC3E}">

--- a/Poster.pptx
+++ b/Poster.pptx
@@ -2418,9 +2418,27 @@
 <p:sldMaster xmlns:a="http://schemas.openxmlformats.org/drawingml/2006/main" xmlns:r="http://schemas.openxmlformats.org/officeDocument/2006/relationships" xmlns:p="http://schemas.openxmlformats.org/presentationml/2006/main">
   <p:cSld>
     <p:bg>
-      <p:bgRef idx="1001">
-        <a:schemeClr val="bg1"/>
-      </p:bgRef>
+      <p:bgPr>
+        <a:gradFill flip="none" rotWithShape="1">
+          <a:gsLst>
+            <a:gs pos="50000">
+              <a:schemeClr val="accent1">
+                <a:lumMod val="0"/>
+                <a:lumOff val="100000"/>
+              </a:schemeClr>
+            </a:gs>
+            <a:gs pos="50000">
+              <a:schemeClr val="accent1">
+                <a:lumMod val="20000"/>
+                <a:lumOff val="80000"/>
+              </a:schemeClr>
+            </a:gs>
+          </a:gsLst>
+          <a:lin ang="0" scaled="1"/>
+          <a:tileRect/>
+        </a:gradFill>
+        <a:effectLst/>
+      </p:bgPr>
     </p:bg>
     <p:spTree>
       <p:nvGrpSpPr>
@@ -2971,683 +2989,16 @@
           <a:chExt cx="0" cy="0"/>
         </a:xfrm>
       </p:grpSpPr>
-      <p:sp>
-        <p:nvSpPr>
-          <p:cNvPr id="7" name="Rectangle 6"/>
-          <p:cNvSpPr/>
-          <p:nvPr/>
-        </p:nvSpPr>
-        <p:spPr>
-          <a:xfrm>
-            <a:off x="0" y="0"/>
-            <a:ext cx="30275213" cy="6890575"/>
-          </a:xfrm>
-          <a:prstGeom prst="rect">
-            <a:avLst/>
-          </a:prstGeom>
-        </p:spPr>
-        <p:style>
-          <a:lnRef idx="2">
-            <a:schemeClr val="accent1">
-              <a:shade val="50000"/>
-            </a:schemeClr>
-          </a:lnRef>
-          <a:fillRef idx="1">
-            <a:schemeClr val="accent1"/>
-          </a:fillRef>
-          <a:effectRef idx="0">
-            <a:schemeClr val="accent1"/>
-          </a:effectRef>
-          <a:fontRef idx="minor">
-            <a:schemeClr val="lt1"/>
-          </a:fontRef>
-        </p:style>
-        <p:txBody>
-          <a:bodyPr rtlCol="0" anchor="ctr"/>
-          <a:lstStyle/>
-          <a:p>
-            <a:pPr algn="ctr"/>
-            <a:endParaRPr lang="en-GB"/>
-          </a:p>
-        </p:txBody>
-      </p:sp>
-      <p:sp>
-        <p:nvSpPr>
-          <p:cNvPr id="4" name="TextBox 3"/>
-          <p:cNvSpPr txBox="1"/>
-          <p:nvPr/>
-        </p:nvSpPr>
-        <p:spPr>
-          <a:xfrm>
-            <a:off x="620486" y="620484"/>
-            <a:ext cx="29195485" cy="5324535"/>
-          </a:xfrm>
-          <a:prstGeom prst="rect">
-            <a:avLst/>
-          </a:prstGeom>
-          <a:noFill/>
-        </p:spPr>
-        <p:txBody>
-          <a:bodyPr wrap="square" rtlCol="0">
-            <a:spAutoFit/>
-          </a:bodyPr>
-          <a:lstStyle/>
-          <a:p>
-            <a:r>
-              <a:rPr lang="en-GB" sz="14000" dirty="0"/>
-              <a:t>S</a:t>
-            </a:r>
-            <a:r>
-              <a:rPr lang="en-GB" sz="14000" dirty="0" smtClean="0"/>
-              <a:t>peaker recognition – Getting gender and accent of the speaker.</a:t>
-            </a:r>
-          </a:p>
-          <a:p>
-            <a:r>
-              <a:rPr lang="en-GB" sz="6000" dirty="0" smtClean="0"/>
-              <a:t>By: Risto </a:t>
-            </a:r>
-            <a:r>
-              <a:rPr lang="en-GB" sz="6000" dirty="0" err="1" smtClean="0"/>
-              <a:t>Rahulan</a:t>
-            </a:r>
-            <a:r>
-              <a:rPr lang="en-GB" sz="6000" dirty="0" smtClean="0"/>
-              <a:t> and Frederik </a:t>
-            </a:r>
-            <a:r>
-              <a:rPr lang="en-GB" sz="6000" dirty="0" err="1" smtClean="0"/>
-              <a:t>Raud</a:t>
-            </a:r>
-            <a:endParaRPr lang="en-GB" sz="6000" dirty="0"/>
-          </a:p>
-        </p:txBody>
-      </p:sp>
-      <p:sp>
-        <p:nvSpPr>
-          <p:cNvPr id="5" name="TextBox 4"/>
-          <p:cNvSpPr txBox="1"/>
-          <p:nvPr/>
-        </p:nvSpPr>
-        <p:spPr>
-          <a:xfrm>
-            <a:off x="620486" y="7103293"/>
-            <a:ext cx="10196286" cy="3280129"/>
-          </a:xfrm>
-          <a:prstGeom prst="rect">
-            <a:avLst/>
-          </a:prstGeom>
-          <a:noFill/>
-        </p:spPr>
-        <p:txBody>
-          <a:bodyPr wrap="square" rtlCol="0">
-            <a:spAutoFit/>
-          </a:bodyPr>
-          <a:lstStyle/>
-          <a:p>
-            <a:r>
-              <a:rPr lang="en-GB" dirty="0" smtClean="0"/>
-              <a:t>Introduction</a:t>
-            </a:r>
-          </a:p>
-          <a:p>
-            <a:endParaRPr lang="en-GB" dirty="0"/>
-          </a:p>
-          <a:p>
-            <a:endParaRPr lang="en-GB" dirty="0"/>
-          </a:p>
-        </p:txBody>
-      </p:sp>
-      <p:sp>
-        <p:nvSpPr>
-          <p:cNvPr id="6" name="TextBox 5"/>
-          <p:cNvSpPr txBox="1"/>
-          <p:nvPr/>
-        </p:nvSpPr>
-        <p:spPr>
-          <a:xfrm>
-            <a:off x="18017102" y="7486706"/>
-            <a:ext cx="6418267" cy="7679795"/>
-          </a:xfrm>
-          <a:prstGeom prst="rect">
-            <a:avLst/>
-          </a:prstGeom>
-          <a:noFill/>
-        </p:spPr>
-        <p:txBody>
-          <a:bodyPr wrap="square" rtlCol="0">
-            <a:spAutoFit/>
-          </a:bodyPr>
-          <a:lstStyle/>
-          <a:p>
-            <a:r>
-              <a:rPr lang="en-GB" dirty="0" smtClean="0"/>
-              <a:t>DATA</a:t>
-            </a:r>
-          </a:p>
-          <a:p>
-            <a:endParaRPr lang="en-GB" sz="4000" dirty="0"/>
-          </a:p>
-          <a:p>
-            <a:r>
-              <a:rPr lang="en-GB" sz="3200" dirty="0" smtClean="0"/>
-              <a:t>Common Voice by Mozilla</a:t>
-            </a:r>
-          </a:p>
-          <a:p>
-            <a:r>
-              <a:rPr lang="en-GB" sz="3200" dirty="0" smtClean="0"/>
-              <a:t>Datasets included audio files, age, gender, accent, text</a:t>
-            </a:r>
-          </a:p>
-          <a:p>
-            <a:endParaRPr lang="en-GB" sz="3200" dirty="0" smtClean="0"/>
-          </a:p>
-          <a:p>
-            <a:r>
-              <a:rPr lang="en-GB" sz="3200" dirty="0" smtClean="0"/>
-              <a:t>- Estonian dataset</a:t>
-            </a:r>
-          </a:p>
-          <a:p>
-            <a:r>
-              <a:rPr lang="en-GB" sz="3200" dirty="0"/>
-              <a:t> </a:t>
-            </a:r>
-            <a:r>
-              <a:rPr lang="en-GB" sz="3200" dirty="0" smtClean="0"/>
-              <a:t>  - 12 hours of audio</a:t>
-            </a:r>
-          </a:p>
-          <a:p>
-            <a:r>
-              <a:rPr lang="en-GB" sz="3200" dirty="0"/>
-              <a:t> </a:t>
-            </a:r>
-            <a:r>
-              <a:rPr lang="en-GB" sz="3200" dirty="0" smtClean="0"/>
-              <a:t>  - 225 different voices</a:t>
-            </a:r>
-          </a:p>
-          <a:p>
-            <a:endParaRPr lang="en-GB" sz="3200" dirty="0" smtClean="0"/>
-          </a:p>
-          <a:p>
-            <a:r>
-              <a:rPr lang="en-GB" sz="3200" dirty="0" smtClean="0"/>
-              <a:t>- English dataset</a:t>
-            </a:r>
-          </a:p>
-          <a:p>
-            <a:r>
-              <a:rPr lang="en-GB" sz="3200" dirty="0" smtClean="0"/>
-              <a:t>   - 1087 hours of audio</a:t>
-            </a:r>
-          </a:p>
-          <a:p>
-            <a:r>
-              <a:rPr lang="en-GB" sz="3200" dirty="0" smtClean="0"/>
-              <a:t>   - 39 577 different voices</a:t>
-            </a:r>
-            <a:endParaRPr lang="en-GB" sz="3200" dirty="0"/>
-          </a:p>
-          <a:p>
-            <a:r>
-              <a:rPr lang="en-GB" sz="3200" dirty="0" smtClean="0"/>
-              <a:t>   - Includes accents</a:t>
-            </a:r>
-          </a:p>
-        </p:txBody>
-      </p:sp>
-      <p:graphicFrame>
-        <p:nvGraphicFramePr>
-          <p:cNvPr id="8" name="Object 7"/>
-          <p:cNvGraphicFramePr>
-            <a:graphicFrameLocks noChangeAspect="1"/>
-          </p:cNvGraphicFramePr>
-          <p:nvPr>
-            <p:extLst>
-              <p:ext uri="{D42A27DB-BD31-4B8C-83A1-F6EECF244321}">
-                <p14:modId xmlns:p14="http://schemas.microsoft.com/office/powerpoint/2010/main" val="3184870974"/>
-              </p:ext>
-            </p:extLst>
-          </p:nvPr>
-        </p:nvGraphicFramePr>
-        <p:xfrm>
-          <a:off x="18788063" y="30980289"/>
-          <a:ext cx="11487150" cy="11544300"/>
-        </p:xfrm>
-        <a:graphic>
-          <a:graphicData uri="http://schemas.openxmlformats.org/presentationml/2006/ole">
-            <mc:AlternateContent xmlns:mc="http://schemas.openxmlformats.org/markup-compatibility/2006">
-              <mc:Choice xmlns:v="urn:schemas-microsoft-com:vml" Requires="v">
-                <p:oleObj spid="_x0000_s1054" name="PDF" r:id="rId3" imgW="0" imgH="360" progId="FoxitReader.Document">
-                  <p:embed/>
-                </p:oleObj>
-              </mc:Choice>
-              <mc:Fallback>
-                <p:oleObj name="PDF" r:id="rId3" imgW="0" imgH="360" progId="FoxitReader.Document">
-                  <p:embed/>
-                  <p:pic>
-                    <p:nvPicPr>
-                      <p:cNvPr id="0" name=""/>
-                      <p:cNvPicPr/>
-                      <p:nvPr/>
-                    </p:nvPicPr>
-                    <p:blipFill>
-                      <a:blip r:embed="rId4"/>
-                      <a:stretch>
-                        <a:fillRect/>
-                      </a:stretch>
-                    </p:blipFill>
-                    <p:spPr>
-                      <a:xfrm>
-                        <a:off x="18788063" y="30980289"/>
-                        <a:ext cx="11487150" cy="11544300"/>
-                      </a:xfrm>
-                      <a:prstGeom prst="rect">
-                        <a:avLst/>
-                      </a:prstGeom>
-                    </p:spPr>
-                  </p:pic>
-                </p:oleObj>
-              </mc:Fallback>
-            </mc:AlternateContent>
-          </a:graphicData>
-        </a:graphic>
-      </p:graphicFrame>
-      <p:sp>
-        <p:nvSpPr>
-          <p:cNvPr id="9" name="TextBox 8"/>
-          <p:cNvSpPr txBox="1"/>
-          <p:nvPr/>
-        </p:nvSpPr>
-        <p:spPr>
-          <a:xfrm>
-            <a:off x="12418828" y="30980289"/>
-            <a:ext cx="7066111" cy="6649513"/>
-          </a:xfrm>
-          <a:prstGeom prst="rect">
-            <a:avLst/>
-          </a:prstGeom>
-          <a:noFill/>
-        </p:spPr>
-        <p:txBody>
-          <a:bodyPr wrap="square" rtlCol="0">
-            <a:spAutoFit/>
-          </a:bodyPr>
-          <a:lstStyle/>
-          <a:p>
-            <a:r>
-              <a:rPr lang="en-GB" dirty="0" smtClean="0"/>
-              <a:t>FEATURES:</a:t>
-            </a:r>
-          </a:p>
-          <a:p>
-            <a:endParaRPr lang="en-GB" sz="3200" dirty="0"/>
-          </a:p>
-          <a:p>
-            <a:pPr marL="457200" indent="-457200">
-              <a:buFont typeface="Arial" panose="020B0604020202020204" pitchFamily="34" charset="0"/>
-              <a:buChar char="•"/>
-            </a:pPr>
-            <a:r>
-              <a:rPr lang="en-GB" sz="3200" dirty="0" smtClean="0"/>
-              <a:t>Zero crossing rate</a:t>
-            </a:r>
-          </a:p>
-          <a:p>
-            <a:pPr marL="457200" indent="-457200">
-              <a:buFont typeface="Arial" panose="020B0604020202020204" pitchFamily="34" charset="0"/>
-              <a:buChar char="•"/>
-            </a:pPr>
-            <a:r>
-              <a:rPr lang="en-GB" sz="3200" dirty="0" smtClean="0"/>
-              <a:t>Spectral roll-off</a:t>
-            </a:r>
-          </a:p>
-          <a:p>
-            <a:pPr marL="457200" indent="-457200">
-              <a:buFont typeface="Arial" panose="020B0604020202020204" pitchFamily="34" charset="0"/>
-              <a:buChar char="•"/>
-            </a:pPr>
-            <a:r>
-              <a:rPr lang="en-GB" sz="3200" dirty="0"/>
-              <a:t>S</a:t>
-            </a:r>
-            <a:r>
-              <a:rPr lang="en-GB" sz="3200" dirty="0" smtClean="0"/>
-              <a:t>pectral centroid</a:t>
-            </a:r>
-          </a:p>
-          <a:p>
-            <a:pPr marL="457200" indent="-457200">
-              <a:buFont typeface="Arial" panose="020B0604020202020204" pitchFamily="34" charset="0"/>
-              <a:buChar char="•"/>
-            </a:pPr>
-            <a:r>
-              <a:rPr lang="en-GB" sz="3200" dirty="0"/>
-              <a:t>S</a:t>
-            </a:r>
-            <a:r>
-              <a:rPr lang="en-GB" sz="3200" dirty="0" smtClean="0"/>
-              <a:t>pectral bandwidth</a:t>
-            </a:r>
-          </a:p>
-          <a:p>
-            <a:pPr marL="457200" indent="-457200">
-              <a:buFont typeface="Arial" panose="020B0604020202020204" pitchFamily="34" charset="0"/>
-              <a:buChar char="•"/>
-            </a:pPr>
-            <a:r>
-              <a:rPr lang="en-GB" sz="3200" dirty="0" err="1" smtClean="0"/>
-              <a:t>Chromagram</a:t>
-            </a:r>
-            <a:endParaRPr lang="en-GB" sz="3200" dirty="0" smtClean="0"/>
-          </a:p>
-          <a:p>
-            <a:pPr marL="457200" indent="-457200">
-              <a:buFont typeface="Arial" panose="020B0604020202020204" pitchFamily="34" charset="0"/>
-              <a:buChar char="•"/>
-            </a:pPr>
-            <a:r>
-              <a:rPr lang="en-GB" sz="3200" dirty="0" smtClean="0"/>
-              <a:t>Mel-frequency </a:t>
-            </a:r>
-            <a:r>
-              <a:rPr lang="en-GB" sz="3200" dirty="0" err="1" smtClean="0"/>
-              <a:t>cepstral</a:t>
-            </a:r>
-            <a:r>
-              <a:rPr lang="en-GB" sz="3200" dirty="0" smtClean="0"/>
-              <a:t> coefficients</a:t>
-            </a:r>
-          </a:p>
-          <a:p>
-            <a:pPr marL="457200" indent="-457200">
-              <a:buFont typeface="Arial" panose="020B0604020202020204" pitchFamily="34" charset="0"/>
-              <a:buChar char="•"/>
-            </a:pPr>
-            <a:r>
-              <a:rPr lang="en-GB" sz="3200" dirty="0" smtClean="0"/>
-              <a:t>Root-mean-square</a:t>
-            </a:r>
-          </a:p>
-          <a:p>
-            <a:endParaRPr lang="en-GB" sz="3200" dirty="0" smtClean="0"/>
-          </a:p>
-          <a:p>
-            <a:endParaRPr lang="en-GB" dirty="0"/>
-          </a:p>
-        </p:txBody>
-      </p:sp>
-      <p:graphicFrame>
-        <p:nvGraphicFramePr>
-          <p:cNvPr id="12" name="Object 11"/>
-          <p:cNvGraphicFramePr>
-            <a:graphicFrameLocks noChangeAspect="1"/>
-          </p:cNvGraphicFramePr>
-          <p:nvPr>
-            <p:extLst>
-              <p:ext uri="{D42A27DB-BD31-4B8C-83A1-F6EECF244321}">
-                <p14:modId xmlns:p14="http://schemas.microsoft.com/office/powerpoint/2010/main" val="1026983015"/>
-              </p:ext>
-            </p:extLst>
-          </p:nvPr>
-        </p:nvGraphicFramePr>
-        <p:xfrm>
-          <a:off x="24872689" y="14226430"/>
-          <a:ext cx="5137728" cy="3444882"/>
-        </p:xfrm>
-        <a:graphic>
-          <a:graphicData uri="http://schemas.openxmlformats.org/presentationml/2006/ole">
-            <mc:AlternateContent xmlns:mc="http://schemas.openxmlformats.org/markup-compatibility/2006">
-              <mc:Choice xmlns:v="urn:schemas-microsoft-com:vml" Requires="v">
-                <p:oleObj spid="_x0000_s1055" name="PDF" r:id="rId5" imgW="0" imgH="360" progId="FoxitReader.Document">
-                  <p:embed/>
-                </p:oleObj>
-              </mc:Choice>
-              <mc:Fallback>
-                <p:oleObj name="PDF" r:id="rId5" imgW="0" imgH="360" progId="FoxitReader.Document">
-                  <p:embed/>
-                  <p:pic>
-                    <p:nvPicPr>
-                      <p:cNvPr id="0" name=""/>
-                      <p:cNvPicPr/>
-                      <p:nvPr/>
-                    </p:nvPicPr>
-                    <p:blipFill>
-                      <a:blip r:embed="rId6"/>
-                      <a:stretch>
-                        <a:fillRect/>
-                      </a:stretch>
-                    </p:blipFill>
-                    <p:spPr>
-                      <a:xfrm>
-                        <a:off x="24872689" y="14226430"/>
-                        <a:ext cx="5137728" cy="3444882"/>
-                      </a:xfrm>
-                      <a:prstGeom prst="rect">
-                        <a:avLst/>
-                      </a:prstGeom>
-                    </p:spPr>
-                  </p:pic>
-                </p:oleObj>
-              </mc:Fallback>
-            </mc:AlternateContent>
-          </a:graphicData>
-        </a:graphic>
-      </p:graphicFrame>
-      <p:graphicFrame>
-        <p:nvGraphicFramePr>
-          <p:cNvPr id="16" name="Object 15"/>
-          <p:cNvGraphicFramePr>
-            <a:graphicFrameLocks noChangeAspect="1"/>
-          </p:cNvGraphicFramePr>
-          <p:nvPr>
-            <p:extLst>
-              <p:ext uri="{D42A27DB-BD31-4B8C-83A1-F6EECF244321}">
-                <p14:modId xmlns:p14="http://schemas.microsoft.com/office/powerpoint/2010/main" val="1249800984"/>
-              </p:ext>
-            </p:extLst>
-          </p:nvPr>
-        </p:nvGraphicFramePr>
-        <p:xfrm>
-          <a:off x="25036840" y="10820889"/>
-          <a:ext cx="4809427" cy="3224754"/>
-        </p:xfrm>
-        <a:graphic>
-          <a:graphicData uri="http://schemas.openxmlformats.org/presentationml/2006/ole">
-            <mc:AlternateContent xmlns:mc="http://schemas.openxmlformats.org/markup-compatibility/2006">
-              <mc:Choice xmlns:v="urn:schemas-microsoft-com:vml" Requires="v">
-                <p:oleObj spid="_x0000_s1056" name="PDF" r:id="rId7" imgW="0" imgH="360" progId="FoxitReader.Document">
-                  <p:embed/>
-                </p:oleObj>
-              </mc:Choice>
-              <mc:Fallback>
-                <p:oleObj name="PDF" r:id="rId7" imgW="0" imgH="360" progId="FoxitReader.Document">
-                  <p:embed/>
-                  <p:pic>
-                    <p:nvPicPr>
-                      <p:cNvPr id="0" name=""/>
-                      <p:cNvPicPr/>
-                      <p:nvPr/>
-                    </p:nvPicPr>
-                    <p:blipFill>
-                      <a:blip r:embed="rId8"/>
-                      <a:stretch>
-                        <a:fillRect/>
-                      </a:stretch>
-                    </p:blipFill>
-                    <p:spPr>
-                      <a:xfrm>
-                        <a:off x="25036840" y="10820889"/>
-                        <a:ext cx="4809427" cy="3224754"/>
-                      </a:xfrm>
-                      <a:prstGeom prst="rect">
-                        <a:avLst/>
-                      </a:prstGeom>
-                    </p:spPr>
-                  </p:pic>
-                </p:oleObj>
-              </mc:Fallback>
-            </mc:AlternateContent>
-          </a:graphicData>
-        </a:graphic>
-      </p:graphicFrame>
-      <p:graphicFrame>
-        <p:nvGraphicFramePr>
-          <p:cNvPr id="17" name="Object 16"/>
-          <p:cNvGraphicFramePr>
-            <a:graphicFrameLocks noChangeAspect="1"/>
-          </p:cNvGraphicFramePr>
-          <p:nvPr>
-            <p:extLst>
-              <p:ext uri="{D42A27DB-BD31-4B8C-83A1-F6EECF244321}">
-                <p14:modId xmlns:p14="http://schemas.microsoft.com/office/powerpoint/2010/main" val="2888897757"/>
-              </p:ext>
-            </p:extLst>
-          </p:nvPr>
-        </p:nvGraphicFramePr>
-        <p:xfrm>
-          <a:off x="25036840" y="7486706"/>
-          <a:ext cx="4703003" cy="3153396"/>
-        </p:xfrm>
-        <a:graphic>
-          <a:graphicData uri="http://schemas.openxmlformats.org/presentationml/2006/ole">
-            <mc:AlternateContent xmlns:mc="http://schemas.openxmlformats.org/markup-compatibility/2006">
-              <mc:Choice xmlns:v="urn:schemas-microsoft-com:vml" Requires="v">
-                <p:oleObj spid="_x0000_s1057" name="PDF" r:id="rId9" imgW="0" imgH="360" progId="FoxitReader.Document">
-                  <p:embed/>
-                </p:oleObj>
-              </mc:Choice>
-              <mc:Fallback>
-                <p:oleObj name="PDF" r:id="rId9" imgW="0" imgH="360" progId="FoxitReader.Document">
-                  <p:embed/>
-                  <p:pic>
-                    <p:nvPicPr>
-                      <p:cNvPr id="0" name=""/>
-                      <p:cNvPicPr/>
-                      <p:nvPr/>
-                    </p:nvPicPr>
-                    <p:blipFill>
-                      <a:blip r:embed="rId10"/>
-                      <a:stretch>
-                        <a:fillRect/>
-                      </a:stretch>
-                    </p:blipFill>
-                    <p:spPr>
-                      <a:xfrm>
-                        <a:off x="25036840" y="7486706"/>
-                        <a:ext cx="4703003" cy="3153396"/>
-                      </a:xfrm>
-                      <a:prstGeom prst="rect">
-                        <a:avLst/>
-                      </a:prstGeom>
-                    </p:spPr>
-                  </p:pic>
-                </p:oleObj>
-              </mc:Fallback>
-            </mc:AlternateContent>
-          </a:graphicData>
-        </a:graphic>
-      </p:graphicFrame>
-      <p:sp>
-        <p:nvSpPr>
-          <p:cNvPr id="18" name="TextBox 17"/>
-          <p:cNvSpPr txBox="1"/>
-          <p:nvPr/>
-        </p:nvSpPr>
-        <p:spPr>
-          <a:xfrm>
-            <a:off x="191386" y="41648831"/>
-            <a:ext cx="11653284" cy="1154932"/>
-          </a:xfrm>
-          <a:prstGeom prst="rect">
-            <a:avLst/>
-          </a:prstGeom>
-          <a:noFill/>
-        </p:spPr>
-        <p:txBody>
-          <a:bodyPr wrap="square" rtlCol="0">
-            <a:spAutoFit/>
-          </a:bodyPr>
-          <a:lstStyle/>
-          <a:p>
-            <a:r>
-              <a:rPr lang="en-GB" dirty="0" smtClean="0"/>
-              <a:t>References:</a:t>
-            </a:r>
-          </a:p>
-        </p:txBody>
-      </p:sp>
-      <p:graphicFrame>
-        <p:nvGraphicFramePr>
-          <p:cNvPr id="3" name="Object 2"/>
-          <p:cNvGraphicFramePr>
-            <a:graphicFrameLocks noChangeAspect="1"/>
-          </p:cNvGraphicFramePr>
-          <p:nvPr>
-            <p:extLst>
-              <p:ext uri="{D42A27DB-BD31-4B8C-83A1-F6EECF244321}">
-                <p14:modId xmlns:p14="http://schemas.microsoft.com/office/powerpoint/2010/main" val="1816699979"/>
-              </p:ext>
-            </p:extLst>
-          </p:nvPr>
-        </p:nvGraphicFramePr>
-        <p:xfrm>
-          <a:off x="16876059" y="38395835"/>
-          <a:ext cx="2963485" cy="2976281"/>
-        </p:xfrm>
-        <a:graphic>
-          <a:graphicData uri="http://schemas.openxmlformats.org/presentationml/2006/ole">
-            <mc:AlternateContent xmlns:mc="http://schemas.openxmlformats.org/markup-compatibility/2006">
-              <mc:Choice xmlns:v="urn:schemas-microsoft-com:vml" Requires="v">
-                <p:oleObj spid="_x0000_s1058" name="PDF" r:id="rId11" imgW="0" imgH="360" progId="FoxitReader.Document">
-                  <p:embed/>
-                </p:oleObj>
-              </mc:Choice>
-              <mc:Fallback>
-                <p:oleObj name="PDF" r:id="rId11" imgW="0" imgH="360" progId="FoxitReader.Document">
-                  <p:embed/>
-                  <p:pic>
-                    <p:nvPicPr>
-                      <p:cNvPr id="0" name=""/>
-                      <p:cNvPicPr/>
-                      <p:nvPr/>
-                    </p:nvPicPr>
-                    <p:blipFill>
-                      <a:blip r:embed="rId12"/>
-                      <a:stretch>
-                        <a:fillRect/>
-                      </a:stretch>
-                    </p:blipFill>
-                    <p:spPr>
-                      <a:xfrm>
-                        <a:off x="16876059" y="38395835"/>
-                        <a:ext cx="2963485" cy="2976281"/>
-                      </a:xfrm>
-                      <a:prstGeom prst="rect">
-                        <a:avLst/>
-                      </a:prstGeom>
-                    </p:spPr>
-                  </p:pic>
-                </p:oleObj>
-              </mc:Fallback>
-            </mc:AlternateContent>
-          </a:graphicData>
-        </a:graphic>
-      </p:graphicFrame>
       <p:pic>
         <p:nvPicPr>
-          <p:cNvPr id="24" name="Picture 23"/>
+          <p:cNvPr id="7" name="Picture 6"/>
           <p:cNvPicPr>
             <a:picLocks noChangeAspect="1"/>
           </p:cNvPicPr>
           <p:nvPr/>
         </p:nvPicPr>
         <p:blipFill>
-          <a:blip r:embed="rId13">
+          <a:blip r:embed="rId2">
             <a:extLst>
               <a:ext uri="{28A0092B-C50C-407E-A947-70E740481C1C}">
                 <a14:useLocalDpi xmlns:a14="http://schemas.microsoft.com/office/drawing/2010/main" val="0"/>
@@ -3660,14 +3011,1317 @@
         </p:blipFill>
         <p:spPr>
           <a:xfrm>
-            <a:off x="18017102" y="2488018"/>
-            <a:ext cx="12258111" cy="4377897"/>
+            <a:off x="10816771" y="51585"/>
+            <a:ext cx="19175186" cy="9294447"/>
           </a:xfrm>
           <a:prstGeom prst="rect">
             <a:avLst/>
           </a:prstGeom>
         </p:spPr>
       </p:pic>
+      <p:sp>
+        <p:nvSpPr>
+          <p:cNvPr id="4" name="TextBox 3"/>
+          <p:cNvSpPr txBox="1"/>
+          <p:nvPr/>
+        </p:nvSpPr>
+        <p:spPr>
+          <a:xfrm>
+            <a:off x="620486" y="547652"/>
+            <a:ext cx="18167577" cy="2246769"/>
+          </a:xfrm>
+          <a:prstGeom prst="rect">
+            <a:avLst/>
+          </a:prstGeom>
+          <a:noFill/>
+        </p:spPr>
+        <p:txBody>
+          <a:bodyPr wrap="square" rtlCol="0">
+            <a:spAutoFit/>
+          </a:bodyPr>
+          <a:lstStyle/>
+          <a:p>
+            <a:r>
+              <a:rPr lang="en-GB" sz="14000" b="1" u="sng" dirty="0" smtClean="0">
+                <a:latin typeface="Constantia" panose="02030602050306030303" pitchFamily="18" charset="0"/>
+                <a:cs typeface="Times New Roman" panose="02020603050405020304" pitchFamily="18" charset="0"/>
+              </a:rPr>
+              <a:t>Speaker Recognition</a:t>
+            </a:r>
+          </a:p>
+        </p:txBody>
+      </p:sp>
+      <p:sp>
+        <p:nvSpPr>
+          <p:cNvPr id="5" name="TextBox 4"/>
+          <p:cNvSpPr txBox="1"/>
+          <p:nvPr/>
+        </p:nvSpPr>
+        <p:spPr>
+          <a:xfrm>
+            <a:off x="620485" y="6510817"/>
+            <a:ext cx="10196286" cy="1200329"/>
+          </a:xfrm>
+          <a:prstGeom prst="rect">
+            <a:avLst/>
+          </a:prstGeom>
+          <a:noFill/>
+        </p:spPr>
+        <p:txBody>
+          <a:bodyPr wrap="square" rtlCol="0">
+            <a:spAutoFit/>
+          </a:bodyPr>
+          <a:lstStyle/>
+          <a:p>
+            <a:r>
+              <a:rPr lang="en-GB" sz="7200" u="sng" dirty="0" smtClean="0"/>
+              <a:t>Introduction:</a:t>
+            </a:r>
+          </a:p>
+        </p:txBody>
+      </p:sp>
+      <p:sp>
+        <p:nvSpPr>
+          <p:cNvPr id="6" name="TextBox 5"/>
+          <p:cNvSpPr txBox="1"/>
+          <p:nvPr/>
+        </p:nvSpPr>
+        <p:spPr>
+          <a:xfrm>
+            <a:off x="620486" y="10850466"/>
+            <a:ext cx="14685736" cy="15604272"/>
+          </a:xfrm>
+          <a:prstGeom prst="rect">
+            <a:avLst/>
+          </a:prstGeom>
+          <a:noFill/>
+        </p:spPr>
+        <p:txBody>
+          <a:bodyPr wrap="square" rtlCol="0">
+            <a:spAutoFit/>
+          </a:bodyPr>
+          <a:lstStyle/>
+          <a:p>
+            <a:r>
+              <a:rPr lang="en-GB" sz="4000" b="1" dirty="0" smtClean="0"/>
+              <a:t>Common Voice by Mozilla</a:t>
+            </a:r>
+          </a:p>
+          <a:p>
+            <a:r>
+              <a:rPr lang="en-GB" sz="4000" dirty="0" smtClean="0"/>
+              <a:t>Datasets </a:t>
+            </a:r>
+            <a:r>
+              <a:rPr lang="en-GB" sz="4000" dirty="0" smtClean="0"/>
+              <a:t>include mp3 audio files and </a:t>
+            </a:r>
+            <a:r>
+              <a:rPr lang="en-GB" sz="4000" dirty="0" err="1" smtClean="0"/>
+              <a:t>tsv</a:t>
+            </a:r>
+            <a:r>
+              <a:rPr lang="en-GB" sz="4000" dirty="0" smtClean="0"/>
+              <a:t>-files relating the audio files to words, the speaker, including their accent, age, and gender.</a:t>
+            </a:r>
+          </a:p>
+          <a:p>
+            <a:endParaRPr lang="en-GB" sz="4000" dirty="0" smtClean="0"/>
+          </a:p>
+          <a:p>
+            <a:r>
+              <a:rPr lang="en-GB" sz="4000" b="1" dirty="0" smtClean="0"/>
+              <a:t>Data Validation</a:t>
+            </a:r>
+            <a:endParaRPr lang="en-GB" sz="4000" b="1" dirty="0"/>
+          </a:p>
+          <a:p>
+            <a:r>
+              <a:rPr lang="en-GB" sz="4000" dirty="0" smtClean="0"/>
+              <a:t>The correspondence of the spoken words to the mp3-files is validated by </a:t>
+            </a:r>
+            <a:r>
+              <a:rPr lang="en-GB" sz="4000" b="1" dirty="0" smtClean="0"/>
+              <a:t>online contributors</a:t>
+            </a:r>
+            <a:r>
+              <a:rPr lang="en-GB" sz="4000" dirty="0" smtClean="0"/>
+              <a:t> through their website, by up- or down-voting a given pair of words and audio. Only clips with </a:t>
+            </a:r>
+            <a:r>
+              <a:rPr lang="en-GB" sz="4000" b="1" dirty="0" smtClean="0"/>
+              <a:t>at least two up-votes</a:t>
+            </a:r>
+            <a:r>
+              <a:rPr lang="en-GB" sz="4000" dirty="0" smtClean="0"/>
+              <a:t> and </a:t>
+            </a:r>
+            <a:r>
+              <a:rPr lang="en-GB" sz="4000" b="1" dirty="0" smtClean="0"/>
+              <a:t>no more than one down-vote</a:t>
+            </a:r>
+            <a:r>
+              <a:rPr lang="en-GB" sz="4000" dirty="0" smtClean="0"/>
+              <a:t> make it into the Common Voice datasets. The up-vote and down-vote counts are also included in the </a:t>
+            </a:r>
+            <a:r>
+              <a:rPr lang="en-GB" sz="4000" dirty="0" err="1" smtClean="0"/>
+              <a:t>tsv</a:t>
+            </a:r>
+            <a:r>
+              <a:rPr lang="en-GB" sz="4000" dirty="0" smtClean="0"/>
+              <a:t>-file.</a:t>
+            </a:r>
+          </a:p>
+          <a:p>
+            <a:endParaRPr lang="en-GB" sz="4000" dirty="0" smtClean="0"/>
+          </a:p>
+          <a:p>
+            <a:r>
+              <a:rPr lang="en-GB" sz="4000" b="1" dirty="0" smtClean="0"/>
+              <a:t>Description of The Original Datasets</a:t>
+            </a:r>
+            <a:endParaRPr lang="en-GB" sz="4000" b="1" dirty="0" smtClean="0"/>
+          </a:p>
+          <a:p>
+            <a:pPr marL="571500" indent="-571500">
+              <a:buFont typeface="Arial" panose="020B0604020202020204" pitchFamily="34" charset="0"/>
+              <a:buChar char="•"/>
+            </a:pPr>
+            <a:r>
+              <a:rPr lang="en-GB" sz="3600" dirty="0" smtClean="0"/>
+              <a:t>English dataset (30GB)</a:t>
+            </a:r>
+            <a:endParaRPr lang="en-GB" sz="3600" dirty="0" smtClean="0"/>
+          </a:p>
+          <a:p>
+            <a:pPr marL="2325365" lvl="1" indent="-571500">
+              <a:buFont typeface="Arial" panose="020B0604020202020204" pitchFamily="34" charset="0"/>
+              <a:buChar char="•"/>
+            </a:pPr>
+            <a:r>
+              <a:rPr lang="en-GB" sz="3200" dirty="0" smtClean="0"/>
+              <a:t>1087 </a:t>
+            </a:r>
+            <a:r>
+              <a:rPr lang="en-GB" sz="3200" dirty="0" smtClean="0"/>
+              <a:t>hours of </a:t>
+            </a:r>
+            <a:r>
+              <a:rPr lang="en-GB" sz="3200" dirty="0" smtClean="0"/>
+              <a:t>audio, 780 hours of it validated</a:t>
+            </a:r>
+            <a:endParaRPr lang="en-GB" sz="3200" dirty="0" smtClean="0"/>
+          </a:p>
+          <a:p>
+            <a:pPr marL="2325365" lvl="1" indent="-571500">
+              <a:buFont typeface="Arial" panose="020B0604020202020204" pitchFamily="34" charset="0"/>
+              <a:buChar char="•"/>
+            </a:pPr>
+            <a:r>
+              <a:rPr lang="en-GB" sz="3200" dirty="0" smtClean="0"/>
+              <a:t>39 </a:t>
+            </a:r>
+            <a:r>
+              <a:rPr lang="en-GB" sz="3200" dirty="0" smtClean="0"/>
+              <a:t>577 different </a:t>
+            </a:r>
+            <a:r>
+              <a:rPr lang="en-GB" sz="3200" dirty="0" smtClean="0"/>
+              <a:t>voices</a:t>
+            </a:r>
+          </a:p>
+          <a:p>
+            <a:pPr marL="2325365" lvl="1" indent="-571500">
+              <a:buFont typeface="Arial" panose="020B0604020202020204" pitchFamily="34" charset="0"/>
+              <a:buChar char="•"/>
+            </a:pPr>
+            <a:r>
+              <a:rPr lang="en-GB" sz="3200" dirty="0" smtClean="0"/>
+              <a:t>More than 80000 audio files</a:t>
+            </a:r>
+            <a:endParaRPr lang="en-GB" sz="3200" dirty="0"/>
+          </a:p>
+          <a:p>
+            <a:pPr marL="2325365" lvl="1" indent="-571500">
+              <a:buFont typeface="Arial" panose="020B0604020202020204" pitchFamily="34" charset="0"/>
+              <a:buChar char="•"/>
+            </a:pPr>
+            <a:r>
+              <a:rPr lang="en-GB" sz="3200" dirty="0" smtClean="0"/>
+              <a:t>Includes accents</a:t>
+            </a:r>
+            <a:endParaRPr lang="en-GB" sz="3200" dirty="0"/>
+          </a:p>
+          <a:p>
+            <a:pPr marL="571500" indent="-571500">
+              <a:buFont typeface="Arial" panose="020B0604020202020204" pitchFamily="34" charset="0"/>
+              <a:buChar char="•"/>
+            </a:pPr>
+            <a:r>
+              <a:rPr lang="en-GB" sz="3600" dirty="0" smtClean="0"/>
+              <a:t>Additional Datasets</a:t>
+            </a:r>
+          </a:p>
+          <a:p>
+            <a:pPr marL="2325365" lvl="1" indent="-571500">
+              <a:buFont typeface="Arial" panose="020B0604020202020204" pitchFamily="34" charset="0"/>
+              <a:buChar char="•"/>
+            </a:pPr>
+            <a:r>
+              <a:rPr lang="en-GB" sz="3200" dirty="0" smtClean="0"/>
+              <a:t>German (9GB)</a:t>
+            </a:r>
+          </a:p>
+          <a:p>
+            <a:pPr marL="2325365" lvl="1" indent="-571500">
+              <a:buFont typeface="Arial" panose="020B0604020202020204" pitchFamily="34" charset="0"/>
+              <a:buChar char="•"/>
+            </a:pPr>
+            <a:r>
+              <a:rPr lang="en-GB" sz="3200" dirty="0" smtClean="0"/>
+              <a:t>French (5GB)</a:t>
+            </a:r>
+          </a:p>
+          <a:p>
+            <a:pPr marL="2325365" lvl="1" indent="-571500">
+              <a:buFont typeface="Arial" panose="020B0604020202020204" pitchFamily="34" charset="0"/>
+              <a:buChar char="•"/>
+            </a:pPr>
+            <a:r>
+              <a:rPr lang="en-GB" sz="3200" dirty="0" smtClean="0"/>
+              <a:t>Italian (1GB)</a:t>
+            </a:r>
+          </a:p>
+          <a:p>
+            <a:pPr marL="2325365" lvl="1" indent="-571500">
+              <a:buFont typeface="Arial" panose="020B0604020202020204" pitchFamily="34" charset="0"/>
+              <a:buChar char="•"/>
+            </a:pPr>
+            <a:r>
+              <a:rPr lang="en-GB" sz="3200" dirty="0" smtClean="0"/>
+              <a:t>Russian (850MB)</a:t>
+            </a:r>
+          </a:p>
+          <a:p>
+            <a:pPr marL="2325365" lvl="1" indent="-571500">
+              <a:buFont typeface="Arial" panose="020B0604020202020204" pitchFamily="34" charset="0"/>
+              <a:buChar char="•"/>
+            </a:pPr>
+            <a:r>
+              <a:rPr lang="en-GB" sz="3200" dirty="0" smtClean="0"/>
+              <a:t>Chinese (China) (359MB)</a:t>
+            </a:r>
+          </a:p>
+          <a:p>
+            <a:pPr marL="2325365" lvl="1" indent="-571500">
+              <a:buFont typeface="Arial" panose="020B0604020202020204" pitchFamily="34" charset="0"/>
+              <a:buChar char="•"/>
+            </a:pPr>
+            <a:r>
+              <a:rPr lang="en-GB" sz="3200" dirty="0" smtClean="0"/>
+              <a:t>Estonian (358MB)</a:t>
+            </a:r>
+          </a:p>
+          <a:p>
+            <a:pPr marL="2325365" lvl="1" indent="-571500">
+              <a:buFont typeface="Arial" panose="020B0604020202020204" pitchFamily="34" charset="0"/>
+              <a:buChar char="•"/>
+            </a:pPr>
+            <a:r>
+              <a:rPr lang="en-GB" sz="3200" dirty="0" smtClean="0"/>
+              <a:t>Turkish (288MB)</a:t>
+            </a:r>
+          </a:p>
+          <a:p>
+            <a:pPr marL="2325365" lvl="1" indent="-571500">
+              <a:buFont typeface="Arial" panose="020B0604020202020204" pitchFamily="34" charset="0"/>
+              <a:buChar char="•"/>
+            </a:pPr>
+            <a:r>
+              <a:rPr lang="en-GB" sz="3200" dirty="0" smtClean="0"/>
+              <a:t>Sakha (173MB)</a:t>
+            </a:r>
+          </a:p>
+          <a:p>
+            <a:pPr marL="2325365" lvl="1" indent="-571500">
+              <a:buFont typeface="Arial" panose="020B0604020202020204" pitchFamily="34" charset="0"/>
+              <a:buChar char="•"/>
+            </a:pPr>
+            <a:r>
+              <a:rPr lang="en-GB" sz="3200" dirty="0" smtClean="0"/>
+              <a:t>Swedish (89MB)</a:t>
+            </a:r>
+            <a:endParaRPr lang="en-GB" sz="3200" dirty="0" smtClean="0"/>
+          </a:p>
+        </p:txBody>
+      </p:sp>
+      <p:sp>
+        <p:nvSpPr>
+          <p:cNvPr id="9" name="TextBox 8"/>
+          <p:cNvSpPr txBox="1"/>
+          <p:nvPr/>
+        </p:nvSpPr>
+        <p:spPr>
+          <a:xfrm>
+            <a:off x="620486" y="27878507"/>
+            <a:ext cx="14685736" cy="7848302"/>
+          </a:xfrm>
+          <a:prstGeom prst="rect">
+            <a:avLst/>
+          </a:prstGeom>
+          <a:noFill/>
+        </p:spPr>
+        <p:txBody>
+          <a:bodyPr wrap="square" rtlCol="0">
+            <a:spAutoFit/>
+          </a:bodyPr>
+          <a:lstStyle/>
+          <a:p>
+            <a:r>
+              <a:rPr lang="en-GB" sz="4000" dirty="0" smtClean="0"/>
+              <a:t>In order for audio features to be extracted from the clips, they first needed to be converted into a .wav file format. Due to resource limitations, only a 100K clips from the 800K total of the English dataset were converted and studied.</a:t>
+            </a:r>
+          </a:p>
+          <a:p>
+            <a:endParaRPr lang="en-GB" sz="4000" dirty="0" smtClean="0"/>
+          </a:p>
+          <a:p>
+            <a:r>
+              <a:rPr lang="en-GB" sz="4000" dirty="0" smtClean="0"/>
+              <a:t>Due to the inclusion of gender and accent data being optional, only 36K rows of speech features were extracted in the end. </a:t>
+            </a:r>
+          </a:p>
+          <a:p>
+            <a:pPr marL="457200" indent="-457200">
+              <a:buFont typeface="Arial" panose="020B0604020202020204" pitchFamily="34" charset="0"/>
+              <a:buChar char="•"/>
+            </a:pPr>
+            <a:r>
+              <a:rPr lang="en-GB" sz="3200" dirty="0" smtClean="0"/>
+              <a:t>Mean zero-crossing </a:t>
+            </a:r>
+            <a:r>
+              <a:rPr lang="en-GB" sz="3200" dirty="0"/>
+              <a:t>rate</a:t>
+            </a:r>
+          </a:p>
+          <a:p>
+            <a:pPr marL="457200" indent="-457200">
+              <a:buFont typeface="Arial" panose="020B0604020202020204" pitchFamily="34" charset="0"/>
+              <a:buChar char="•"/>
+            </a:pPr>
+            <a:r>
+              <a:rPr lang="en-GB" sz="3200" dirty="0" smtClean="0"/>
+              <a:t>Mean spectral </a:t>
+            </a:r>
+            <a:r>
+              <a:rPr lang="en-GB" sz="3200" dirty="0"/>
+              <a:t>roll-off</a:t>
+            </a:r>
+          </a:p>
+          <a:p>
+            <a:pPr marL="457200" indent="-457200">
+              <a:buFont typeface="Arial" panose="020B0604020202020204" pitchFamily="34" charset="0"/>
+              <a:buChar char="•"/>
+            </a:pPr>
+            <a:r>
+              <a:rPr lang="en-GB" sz="3200" dirty="0" smtClean="0"/>
+              <a:t>Mean spectral </a:t>
+            </a:r>
+            <a:r>
+              <a:rPr lang="en-GB" sz="3200" dirty="0"/>
+              <a:t>centroid</a:t>
+            </a:r>
+          </a:p>
+          <a:p>
+            <a:pPr marL="457200" indent="-457200">
+              <a:buFont typeface="Arial" panose="020B0604020202020204" pitchFamily="34" charset="0"/>
+              <a:buChar char="•"/>
+            </a:pPr>
+            <a:r>
+              <a:rPr lang="en-GB" sz="3200" dirty="0" smtClean="0"/>
+              <a:t>Mean spectral </a:t>
+            </a:r>
+            <a:r>
+              <a:rPr lang="en-GB" sz="3200" dirty="0"/>
+              <a:t>bandwidth</a:t>
+            </a:r>
+          </a:p>
+          <a:p>
+            <a:pPr marL="457200" indent="-457200">
+              <a:buFont typeface="Arial" panose="020B0604020202020204" pitchFamily="34" charset="0"/>
+              <a:buChar char="•"/>
+            </a:pPr>
+            <a:r>
+              <a:rPr lang="en-GB" sz="3200" dirty="0" smtClean="0"/>
+              <a:t>Mean </a:t>
+            </a:r>
+            <a:r>
+              <a:rPr lang="en-GB" sz="3200" dirty="0" err="1"/>
+              <a:t>c</a:t>
+            </a:r>
+            <a:r>
+              <a:rPr lang="en-GB" sz="3200" dirty="0" err="1" smtClean="0"/>
+              <a:t>hromagram</a:t>
+            </a:r>
+            <a:endParaRPr lang="en-GB" sz="3200" dirty="0"/>
+          </a:p>
+          <a:p>
+            <a:pPr marL="457200" indent="-457200">
+              <a:buFont typeface="Arial" panose="020B0604020202020204" pitchFamily="34" charset="0"/>
+              <a:buChar char="•"/>
+            </a:pPr>
+            <a:r>
+              <a:rPr lang="en-GB" sz="3200" dirty="0" smtClean="0"/>
+              <a:t>Mean spectral root-mean-square</a:t>
+            </a:r>
+          </a:p>
+          <a:p>
+            <a:pPr marL="457200" indent="-457200">
+              <a:buFont typeface="Arial" panose="020B0604020202020204" pitchFamily="34" charset="0"/>
+              <a:buChar char="•"/>
+            </a:pPr>
+            <a:r>
+              <a:rPr lang="en-GB" sz="3200" dirty="0" smtClean="0"/>
+              <a:t>20 bins from the Mel-frequency </a:t>
+            </a:r>
+            <a:r>
+              <a:rPr lang="en-GB" sz="3200" dirty="0"/>
+              <a:t>cepstral </a:t>
+            </a:r>
+            <a:r>
+              <a:rPr lang="en-GB" sz="3200" dirty="0" smtClean="0"/>
+              <a:t>coefficients</a:t>
+            </a:r>
+            <a:endParaRPr lang="en-GB" sz="3200" dirty="0"/>
+          </a:p>
+        </p:txBody>
+      </p:sp>
+      <p:sp>
+        <p:nvSpPr>
+          <p:cNvPr id="13" name="TextBox 12"/>
+          <p:cNvSpPr txBox="1"/>
+          <p:nvPr/>
+        </p:nvSpPr>
+        <p:spPr>
+          <a:xfrm>
+            <a:off x="620485" y="2590990"/>
+            <a:ext cx="18167577" cy="2308324"/>
+          </a:xfrm>
+          <a:prstGeom prst="rect">
+            <a:avLst/>
+          </a:prstGeom>
+          <a:noFill/>
+        </p:spPr>
+        <p:txBody>
+          <a:bodyPr wrap="square" rtlCol="0">
+            <a:spAutoFit/>
+          </a:bodyPr>
+          <a:lstStyle/>
+          <a:p>
+            <a:r>
+              <a:rPr lang="en-GB" sz="7200" dirty="0" smtClean="0">
+                <a:solidFill>
+                  <a:schemeClr val="tx1">
+                    <a:lumMod val="85000"/>
+                    <a:lumOff val="15000"/>
+                  </a:schemeClr>
+                </a:solidFill>
+                <a:latin typeface="Constantia" panose="02030602050306030303" pitchFamily="18" charset="0"/>
+                <a:cs typeface="Times New Roman" panose="02020603050405020304" pitchFamily="18" charset="0"/>
+              </a:rPr>
+              <a:t>Gender and Accent </a:t>
+            </a:r>
+            <a:r>
+              <a:rPr lang="en-GB" sz="7200" dirty="0">
+                <a:solidFill>
+                  <a:schemeClr val="tx1">
+                    <a:lumMod val="85000"/>
+                    <a:lumOff val="15000"/>
+                  </a:schemeClr>
+                </a:solidFill>
+                <a:latin typeface="Constantia" panose="02030602050306030303" pitchFamily="18" charset="0"/>
+                <a:cs typeface="Times New Roman" panose="02020603050405020304" pitchFamily="18" charset="0"/>
+              </a:rPr>
+              <a:t>C</a:t>
+            </a:r>
+            <a:r>
+              <a:rPr lang="en-GB" sz="7200" dirty="0" smtClean="0">
+                <a:solidFill>
+                  <a:schemeClr val="tx1">
+                    <a:lumMod val="85000"/>
+                    <a:lumOff val="15000"/>
+                  </a:schemeClr>
+                </a:solidFill>
+                <a:latin typeface="Constantia" panose="02030602050306030303" pitchFamily="18" charset="0"/>
+                <a:cs typeface="Times New Roman" panose="02020603050405020304" pitchFamily="18" charset="0"/>
+              </a:rPr>
+              <a:t>lassification Based on </a:t>
+            </a:r>
+            <a:r>
+              <a:rPr lang="en-GB" sz="7200" dirty="0" smtClean="0">
+                <a:solidFill>
+                  <a:schemeClr val="tx1">
+                    <a:lumMod val="85000"/>
+                    <a:lumOff val="15000"/>
+                  </a:schemeClr>
+                </a:solidFill>
+                <a:latin typeface="Constantia" panose="02030602050306030303" pitchFamily="18" charset="0"/>
+                <a:cs typeface="Times New Roman" panose="02020603050405020304" pitchFamily="18" charset="0"/>
+              </a:rPr>
+              <a:t>the Speaker’s Voice</a:t>
+            </a:r>
+            <a:endParaRPr lang="en-GB" sz="7200" dirty="0" smtClean="0">
+              <a:solidFill>
+                <a:schemeClr val="tx1">
+                  <a:lumMod val="85000"/>
+                  <a:lumOff val="15000"/>
+                </a:schemeClr>
+              </a:solidFill>
+              <a:latin typeface="Constantia" panose="02030602050306030303" pitchFamily="18" charset="0"/>
+              <a:cs typeface="Times New Roman" panose="02020603050405020304" pitchFamily="18" charset="0"/>
+            </a:endParaRPr>
+          </a:p>
+        </p:txBody>
+      </p:sp>
+      <p:sp>
+        <p:nvSpPr>
+          <p:cNvPr id="14" name="TextBox 13"/>
+          <p:cNvSpPr txBox="1"/>
+          <p:nvPr/>
+        </p:nvSpPr>
+        <p:spPr>
+          <a:xfrm>
+            <a:off x="620485" y="5028131"/>
+            <a:ext cx="17465789" cy="1446550"/>
+          </a:xfrm>
+          <a:prstGeom prst="rect">
+            <a:avLst/>
+          </a:prstGeom>
+          <a:noFill/>
+        </p:spPr>
+        <p:txBody>
+          <a:bodyPr wrap="square" rtlCol="0">
+            <a:spAutoFit/>
+          </a:bodyPr>
+          <a:lstStyle/>
+          <a:p>
+            <a:r>
+              <a:rPr lang="en-GB" sz="8800" dirty="0" smtClean="0">
+                <a:latin typeface="Times New Roman" panose="02020603050405020304" pitchFamily="18" charset="0"/>
+                <a:cs typeface="Times New Roman" panose="02020603050405020304" pitchFamily="18" charset="0"/>
+              </a:rPr>
+              <a:t>By </a:t>
+            </a:r>
+            <a:r>
+              <a:rPr lang="en-GB" sz="8800" dirty="0" err="1" smtClean="0">
+                <a:latin typeface="Times New Roman" panose="02020603050405020304" pitchFamily="18" charset="0"/>
+                <a:cs typeface="Times New Roman" panose="02020603050405020304" pitchFamily="18" charset="0"/>
+              </a:rPr>
+              <a:t>Risto</a:t>
+            </a:r>
+            <a:r>
+              <a:rPr lang="en-GB" sz="8800" dirty="0" smtClean="0">
+                <a:latin typeface="Times New Roman" panose="02020603050405020304" pitchFamily="18" charset="0"/>
+                <a:cs typeface="Times New Roman" panose="02020603050405020304" pitchFamily="18" charset="0"/>
+              </a:rPr>
+              <a:t> </a:t>
+            </a:r>
+            <a:r>
+              <a:rPr lang="en-GB" sz="8800" dirty="0" err="1" smtClean="0">
+                <a:latin typeface="Times New Roman" panose="02020603050405020304" pitchFamily="18" charset="0"/>
+                <a:cs typeface="Times New Roman" panose="02020603050405020304" pitchFamily="18" charset="0"/>
+              </a:rPr>
+              <a:t>Rahulan</a:t>
+            </a:r>
+            <a:r>
+              <a:rPr lang="en-GB" sz="8800" dirty="0" smtClean="0">
+                <a:latin typeface="Times New Roman" panose="02020603050405020304" pitchFamily="18" charset="0"/>
+                <a:cs typeface="Times New Roman" panose="02020603050405020304" pitchFamily="18" charset="0"/>
+              </a:rPr>
+              <a:t> &amp; Frederik </a:t>
+            </a:r>
+            <a:r>
+              <a:rPr lang="en-GB" sz="8800" dirty="0" err="1" smtClean="0">
+                <a:latin typeface="Times New Roman" panose="02020603050405020304" pitchFamily="18" charset="0"/>
+                <a:cs typeface="Times New Roman" panose="02020603050405020304" pitchFamily="18" charset="0"/>
+              </a:rPr>
+              <a:t>Raud</a:t>
+            </a:r>
+            <a:endParaRPr lang="en-GB" sz="8800" dirty="0" smtClean="0">
+              <a:latin typeface="Times New Roman" panose="02020603050405020304" pitchFamily="18" charset="0"/>
+              <a:cs typeface="Times New Roman" panose="02020603050405020304" pitchFamily="18" charset="0"/>
+            </a:endParaRPr>
+          </a:p>
+        </p:txBody>
+      </p:sp>
+      <p:sp>
+        <p:nvSpPr>
+          <p:cNvPr id="19" name="TextBox 18"/>
+          <p:cNvSpPr txBox="1"/>
+          <p:nvPr/>
+        </p:nvSpPr>
+        <p:spPr>
+          <a:xfrm>
+            <a:off x="620485" y="9650137"/>
+            <a:ext cx="10196286" cy="1200329"/>
+          </a:xfrm>
+          <a:prstGeom prst="rect">
+            <a:avLst/>
+          </a:prstGeom>
+          <a:noFill/>
+        </p:spPr>
+        <p:txBody>
+          <a:bodyPr wrap="square" rtlCol="0">
+            <a:spAutoFit/>
+          </a:bodyPr>
+          <a:lstStyle/>
+          <a:p>
+            <a:r>
+              <a:rPr lang="en-GB" sz="7200" u="sng" dirty="0" smtClean="0"/>
+              <a:t>Data:</a:t>
+            </a:r>
+          </a:p>
+        </p:txBody>
+      </p:sp>
+      <p:sp>
+        <p:nvSpPr>
+          <p:cNvPr id="20" name="TextBox 19"/>
+          <p:cNvSpPr txBox="1"/>
+          <p:nvPr/>
+        </p:nvSpPr>
+        <p:spPr>
+          <a:xfrm>
+            <a:off x="620485" y="26454738"/>
+            <a:ext cx="10196286" cy="1200329"/>
+          </a:xfrm>
+          <a:prstGeom prst="rect">
+            <a:avLst/>
+          </a:prstGeom>
+          <a:noFill/>
+        </p:spPr>
+        <p:txBody>
+          <a:bodyPr wrap="square" rtlCol="0">
+            <a:spAutoFit/>
+          </a:bodyPr>
+          <a:lstStyle/>
+          <a:p>
+            <a:r>
+              <a:rPr lang="en-GB" sz="7200" u="sng" dirty="0" smtClean="0"/>
+              <a:t>Feature Extraction</a:t>
+            </a:r>
+            <a:r>
+              <a:rPr lang="en-GB" sz="7200" u="sng" dirty="0" smtClean="0"/>
+              <a:t>:</a:t>
+            </a:r>
+            <a:endParaRPr lang="en-GB" sz="7200" u="sng" dirty="0" smtClean="0"/>
+          </a:p>
+        </p:txBody>
+      </p:sp>
+      <p:sp>
+        <p:nvSpPr>
+          <p:cNvPr id="12" name="TextBox 11"/>
+          <p:cNvSpPr txBox="1"/>
+          <p:nvPr/>
+        </p:nvSpPr>
+        <p:spPr>
+          <a:xfrm>
+            <a:off x="620485" y="7711145"/>
+            <a:ext cx="18167577" cy="1938992"/>
+          </a:xfrm>
+          <a:prstGeom prst="rect">
+            <a:avLst/>
+          </a:prstGeom>
+          <a:noFill/>
+        </p:spPr>
+        <p:txBody>
+          <a:bodyPr wrap="square" rtlCol="0">
+            <a:spAutoFit/>
+          </a:bodyPr>
+          <a:lstStyle/>
+          <a:p>
+            <a:r>
+              <a:rPr lang="en-GB" sz="4000" dirty="0" smtClean="0"/>
+              <a:t>The goal of this project was to explore Mozilla’s Common Voice datasets and to use them to both study the relationships between gender, accent and voice, and model their classification.</a:t>
+            </a:r>
+            <a:endParaRPr lang="en-GB" sz="4000" dirty="0" smtClean="0"/>
+          </a:p>
+        </p:txBody>
+      </p:sp>
+      <p:sp>
+        <p:nvSpPr>
+          <p:cNvPr id="16" name="TextBox 15"/>
+          <p:cNvSpPr txBox="1"/>
+          <p:nvPr/>
+        </p:nvSpPr>
+        <p:spPr>
+          <a:xfrm>
+            <a:off x="15306221" y="38352980"/>
+            <a:ext cx="10196286" cy="1200329"/>
+          </a:xfrm>
+          <a:prstGeom prst="rect">
+            <a:avLst/>
+          </a:prstGeom>
+          <a:noFill/>
+        </p:spPr>
+        <p:txBody>
+          <a:bodyPr wrap="square" rtlCol="0">
+            <a:spAutoFit/>
+          </a:bodyPr>
+          <a:lstStyle/>
+          <a:p>
+            <a:r>
+              <a:rPr lang="en-GB" sz="7200" u="sng" dirty="0" smtClean="0"/>
+              <a:t>References:</a:t>
+            </a:r>
+            <a:endParaRPr lang="en-GB" sz="7200" u="sng" dirty="0" smtClean="0"/>
+          </a:p>
+        </p:txBody>
+      </p:sp>
+      <p:sp>
+        <p:nvSpPr>
+          <p:cNvPr id="17" name="TextBox 16"/>
+          <p:cNvSpPr txBox="1"/>
+          <p:nvPr/>
+        </p:nvSpPr>
+        <p:spPr>
+          <a:xfrm>
+            <a:off x="15306221" y="39553309"/>
+            <a:ext cx="14968992" cy="2677656"/>
+          </a:xfrm>
+          <a:prstGeom prst="rect">
+            <a:avLst/>
+          </a:prstGeom>
+          <a:noFill/>
+        </p:spPr>
+        <p:txBody>
+          <a:bodyPr wrap="square" rtlCol="0">
+            <a:spAutoFit/>
+          </a:bodyPr>
+          <a:lstStyle/>
+          <a:p>
+            <a:pPr marL="457200" indent="-457200">
+              <a:buFont typeface="Arial" panose="020B0604020202020204" pitchFamily="34" charset="0"/>
+              <a:buChar char="•"/>
+            </a:pPr>
+            <a:r>
+              <a:rPr lang="en-GB" sz="2800" dirty="0"/>
+              <a:t>[1] </a:t>
+            </a:r>
+            <a:r>
+              <a:rPr lang="en-GB" sz="2800" b="1" dirty="0"/>
+              <a:t>The Mozilla Voice </a:t>
+            </a:r>
+            <a:r>
+              <a:rPr lang="en-GB" sz="2800" b="1" dirty="0" smtClean="0"/>
+              <a:t>Dataset:</a:t>
+            </a:r>
+            <a:r>
+              <a:rPr lang="en-GB" sz="2800" dirty="0" smtClean="0"/>
+              <a:t> </a:t>
+            </a:r>
+            <a:r>
+              <a:rPr lang="en-GB" sz="2800" dirty="0">
+                <a:hlinkClick r:id="rId3"/>
+              </a:rPr>
+              <a:t>https://</a:t>
+            </a:r>
+            <a:r>
+              <a:rPr lang="en-GB" sz="2800" dirty="0" smtClean="0">
+                <a:hlinkClick r:id="rId3"/>
+              </a:rPr>
+              <a:t>voice.mozilla.org/en/datasets</a:t>
+            </a:r>
+            <a:endParaRPr lang="en-GB" sz="2800" dirty="0" smtClean="0"/>
+          </a:p>
+          <a:p>
+            <a:pPr marL="457200" indent="-457200">
+              <a:buFont typeface="Arial" panose="020B0604020202020204" pitchFamily="34" charset="0"/>
+              <a:buChar char="•"/>
+            </a:pPr>
+            <a:r>
+              <a:rPr lang="en-GB" sz="2800" dirty="0" smtClean="0"/>
+              <a:t>[2] </a:t>
+            </a:r>
+            <a:r>
+              <a:rPr lang="en-GB" sz="2800" dirty="0"/>
+              <a:t>Some audio </a:t>
+            </a:r>
+            <a:r>
+              <a:rPr lang="en-GB" sz="2800" dirty="0" smtClean="0"/>
+              <a:t>features </a:t>
+            </a:r>
+            <a:r>
+              <a:rPr lang="en-GB" sz="2800" dirty="0" smtClean="0">
+                <a:hlinkClick r:id="rId4"/>
+              </a:rPr>
+              <a:t>https</a:t>
+            </a:r>
+            <a:r>
+              <a:rPr lang="en-GB" sz="2800" dirty="0">
+                <a:hlinkClick r:id="rId4"/>
+              </a:rPr>
+              <a:t>://</a:t>
+            </a:r>
+            <a:r>
+              <a:rPr lang="en-GB" sz="2800" dirty="0" smtClean="0">
+                <a:hlinkClick r:id="rId4"/>
+              </a:rPr>
+              <a:t>towardsdatascience.com/extract-features-of-music-75a3f9bc265d</a:t>
+            </a:r>
+            <a:endParaRPr lang="en-GB" sz="2800" dirty="0"/>
+          </a:p>
+          <a:p>
+            <a:pPr marL="457200" indent="-457200">
+              <a:buFont typeface="Arial" panose="020B0604020202020204" pitchFamily="34" charset="0"/>
+              <a:buChar char="•"/>
+            </a:pPr>
+            <a:r>
+              <a:rPr lang="en-GB" sz="2800" dirty="0" smtClean="0"/>
+              <a:t>[3] </a:t>
+            </a:r>
+            <a:r>
+              <a:rPr lang="en-GB" sz="2800" b="1" dirty="0"/>
+              <a:t>Audio feature </a:t>
+            </a:r>
+            <a:r>
+              <a:rPr lang="en-GB" sz="2800" b="1" dirty="0" smtClean="0"/>
+              <a:t>extraction </a:t>
+            </a:r>
+            <a:r>
+              <a:rPr lang="en-GB" sz="2800" b="1" dirty="0" err="1"/>
+              <a:t>LibROSA</a:t>
+            </a:r>
+            <a:r>
+              <a:rPr lang="en-GB" sz="2800" b="1" dirty="0"/>
+              <a:t>:</a:t>
+            </a:r>
+            <a:r>
+              <a:rPr lang="en-GB" sz="2800" dirty="0"/>
+              <a:t> </a:t>
+            </a:r>
+            <a:r>
+              <a:rPr lang="en-GB" sz="2800" dirty="0" smtClean="0">
+                <a:hlinkClick r:id="rId5"/>
+              </a:rPr>
+              <a:t>https://librosa.github.io/librosa/</a:t>
+            </a:r>
+            <a:endParaRPr lang="en-GB" sz="2800" dirty="0" smtClean="0"/>
+          </a:p>
+          <a:p>
+            <a:pPr marL="457200" indent="-457200">
+              <a:buFont typeface="Arial" panose="020B0604020202020204" pitchFamily="34" charset="0"/>
+              <a:buChar char="•"/>
+            </a:pPr>
+            <a:r>
+              <a:rPr lang="en-GB" sz="2800" dirty="0" smtClean="0"/>
+              <a:t>[4] </a:t>
+            </a:r>
+            <a:r>
+              <a:rPr lang="en-GB" sz="2800" b="1" dirty="0" smtClean="0"/>
+              <a:t>Modelling with </a:t>
+            </a:r>
+            <a:r>
+              <a:rPr lang="en-GB" sz="2800" b="1" dirty="0" err="1" smtClean="0"/>
+              <a:t>SKLearn</a:t>
+            </a:r>
+            <a:r>
+              <a:rPr lang="en-GB" sz="2800" b="1" dirty="0" smtClean="0"/>
+              <a:t>: </a:t>
+            </a:r>
+            <a:r>
+              <a:rPr lang="en-GB" sz="2800" dirty="0" err="1" smtClean="0">
+                <a:hlinkClick r:id="rId6"/>
+              </a:rPr>
+              <a:t>Scikit</a:t>
+            </a:r>
+            <a:r>
+              <a:rPr lang="en-GB" sz="2800" dirty="0" smtClean="0">
+                <a:hlinkClick r:id="rId6"/>
+              </a:rPr>
+              <a:t>-learn: Machine Learning in Python</a:t>
+            </a:r>
+            <a:r>
+              <a:rPr lang="en-GB" sz="2800" dirty="0" smtClean="0"/>
+              <a:t>, </a:t>
+            </a:r>
+            <a:r>
+              <a:rPr lang="en-GB" sz="2800" dirty="0" err="1" smtClean="0"/>
+              <a:t>Pedregosa</a:t>
+            </a:r>
+            <a:r>
+              <a:rPr lang="en-GB" sz="2800" dirty="0" smtClean="0"/>
+              <a:t> </a:t>
+            </a:r>
+            <a:r>
+              <a:rPr lang="en-GB" sz="2800" i="1" dirty="0" smtClean="0"/>
+              <a:t>et al.</a:t>
+            </a:r>
+            <a:r>
+              <a:rPr lang="en-GB" sz="2800" dirty="0" smtClean="0"/>
+              <a:t>, JMLR 12, pp. 2825-2830, 2011.</a:t>
+            </a:r>
+          </a:p>
+          <a:p>
+            <a:pPr marL="457200" indent="-457200">
+              <a:buFont typeface="Arial" panose="020B0604020202020204" pitchFamily="34" charset="0"/>
+              <a:buChar char="•"/>
+            </a:pPr>
+            <a:r>
+              <a:rPr lang="en-GB" sz="2800" dirty="0" smtClean="0"/>
+              <a:t>[</a:t>
+            </a:r>
+            <a:r>
+              <a:rPr lang="en-GB" sz="2800" dirty="0"/>
+              <a:t>5] Help with </a:t>
+            </a:r>
+            <a:r>
+              <a:rPr lang="en-GB" sz="2800" dirty="0" err="1"/>
+              <a:t>LibROSA</a:t>
+            </a:r>
+            <a:r>
+              <a:rPr lang="en-GB" sz="2800" dirty="0"/>
+              <a:t>: </a:t>
+            </a:r>
+            <a:r>
+              <a:rPr lang="en-GB" sz="2800" dirty="0">
+                <a:hlinkClick r:id="rId4"/>
+              </a:rPr>
+              <a:t>https://</a:t>
+            </a:r>
+            <a:r>
+              <a:rPr lang="en-GB" sz="2800" dirty="0" smtClean="0">
+                <a:hlinkClick r:id="rId4"/>
+              </a:rPr>
+              <a:t>towardsdatascience.com/extract-features-of-music-75a3f9bc265d</a:t>
+            </a:r>
+            <a:endParaRPr lang="en-GB" sz="2800" dirty="0"/>
+          </a:p>
+        </p:txBody>
+      </p:sp>
+      <p:pic>
+        <p:nvPicPr>
+          <p:cNvPr id="2" name="Picture 1"/>
+          <p:cNvPicPr>
+            <a:picLocks noChangeAspect="1"/>
+          </p:cNvPicPr>
+          <p:nvPr/>
+        </p:nvPicPr>
+        <p:blipFill>
+          <a:blip r:embed="rId7">
+            <a:extLst>
+              <a:ext uri="{28A0092B-C50C-407E-A947-70E740481C1C}">
+                <a14:useLocalDpi xmlns:a14="http://schemas.microsoft.com/office/drawing/2010/main" val="0"/>
+              </a:ext>
+            </a:extLst>
+          </a:blip>
+          <a:stretch>
+            <a:fillRect/>
+          </a:stretch>
+        </p:blipFill>
+        <p:spPr>
+          <a:xfrm>
+            <a:off x="620485" y="36503813"/>
+            <a:ext cx="13857515" cy="3698334"/>
+          </a:xfrm>
+          <a:prstGeom prst="rect">
+            <a:avLst/>
+          </a:prstGeom>
+          <a:ln>
+            <a:solidFill>
+              <a:schemeClr val="tx1"/>
+            </a:solidFill>
+          </a:ln>
+        </p:spPr>
+      </p:pic>
+      <p:sp>
+        <p:nvSpPr>
+          <p:cNvPr id="21" name="TextBox 20"/>
+          <p:cNvSpPr txBox="1"/>
+          <p:nvPr/>
+        </p:nvSpPr>
+        <p:spPr>
+          <a:xfrm>
+            <a:off x="620485" y="40331744"/>
+            <a:ext cx="13857515" cy="1384995"/>
+          </a:xfrm>
+          <a:prstGeom prst="rect">
+            <a:avLst/>
+          </a:prstGeom>
+          <a:noFill/>
+        </p:spPr>
+        <p:txBody>
+          <a:bodyPr wrap="square" rtlCol="0">
+            <a:spAutoFit/>
+          </a:bodyPr>
+          <a:lstStyle/>
+          <a:p>
+            <a:r>
+              <a:rPr lang="en-GB" sz="2800" dirty="0" smtClean="0"/>
+              <a:t>Mel-Frequency Cepstral Coefficient plot. On the vertical axis: Frequency bins. A redder indicates a larger amount of frequencies in that bin. Bins near the bottom correspond to a shorter wavelength. On the horizontal axis: time.</a:t>
+            </a:r>
+            <a:endParaRPr lang="en-GB" sz="2800" dirty="0"/>
+          </a:p>
+        </p:txBody>
+      </p:sp>
+      <p:sp>
+        <p:nvSpPr>
+          <p:cNvPr id="23" name="TextBox 22"/>
+          <p:cNvSpPr txBox="1"/>
+          <p:nvPr/>
+        </p:nvSpPr>
+        <p:spPr>
+          <a:xfrm>
+            <a:off x="15306221" y="9650137"/>
+            <a:ext cx="14968991" cy="1200329"/>
+          </a:xfrm>
+          <a:prstGeom prst="rect">
+            <a:avLst/>
+          </a:prstGeom>
+          <a:noFill/>
+        </p:spPr>
+        <p:txBody>
+          <a:bodyPr wrap="square" rtlCol="0">
+            <a:spAutoFit/>
+          </a:bodyPr>
+          <a:lstStyle/>
+          <a:p>
+            <a:r>
+              <a:rPr lang="en-GB" sz="7200" u="sng" dirty="0" smtClean="0"/>
+              <a:t>Findings and Models:</a:t>
+            </a:r>
+            <a:endParaRPr lang="en-GB" sz="7200" u="sng" dirty="0" smtClean="0"/>
+          </a:p>
+        </p:txBody>
+      </p:sp>
+      <p:sp>
+        <p:nvSpPr>
+          <p:cNvPr id="24" name="TextBox 23"/>
+          <p:cNvSpPr txBox="1"/>
+          <p:nvPr/>
+        </p:nvSpPr>
+        <p:spPr>
+          <a:xfrm>
+            <a:off x="15306221" y="10850466"/>
+            <a:ext cx="14656409" cy="1938992"/>
+          </a:xfrm>
+          <a:prstGeom prst="rect">
+            <a:avLst/>
+          </a:prstGeom>
+          <a:noFill/>
+        </p:spPr>
+        <p:txBody>
+          <a:bodyPr wrap="square" rtlCol="0">
+            <a:spAutoFit/>
+          </a:bodyPr>
+          <a:lstStyle/>
+          <a:p>
+            <a:r>
+              <a:rPr lang="en-GB" sz="4000" b="1" dirty="0" smtClean="0"/>
+              <a:t>Features found more relevan</a:t>
+            </a:r>
+            <a:r>
+              <a:rPr lang="en-GB" sz="4000" b="1" dirty="0"/>
+              <a:t>t</a:t>
+            </a:r>
+            <a:r>
+              <a:rPr lang="en-GB" sz="4000" b="1" dirty="0" smtClean="0"/>
+              <a:t> by the Random Forest algorithm for Gender Classification</a:t>
+            </a:r>
+            <a:r>
+              <a:rPr lang="en-GB" sz="4000" dirty="0" smtClean="0"/>
+              <a:t> </a:t>
+            </a:r>
+            <a:r>
+              <a:rPr lang="en-GB" sz="4000" b="1" dirty="0" smtClean="0"/>
+              <a:t>(Accuracy 82.53%) based on balanced data of the gender classes “male”, “female” and “other” (1239 rows)</a:t>
+            </a:r>
+            <a:endParaRPr lang="en-GB" sz="4000" b="1" dirty="0"/>
+          </a:p>
+        </p:txBody>
+      </p:sp>
+      <p:pic>
+        <p:nvPicPr>
+          <p:cNvPr id="8" name="Picture 7"/>
+          <p:cNvPicPr>
+            <a:picLocks noChangeAspect="1"/>
+          </p:cNvPicPr>
+          <p:nvPr/>
+        </p:nvPicPr>
+        <p:blipFill>
+          <a:blip r:embed="rId8">
+            <a:extLst>
+              <a:ext uri="{28A0092B-C50C-407E-A947-70E740481C1C}">
+                <a14:useLocalDpi xmlns:a14="http://schemas.microsoft.com/office/drawing/2010/main" val="0"/>
+              </a:ext>
+            </a:extLst>
+          </a:blip>
+          <a:stretch>
+            <a:fillRect/>
+          </a:stretch>
+        </p:blipFill>
+        <p:spPr>
+          <a:xfrm>
+            <a:off x="15434642" y="12789458"/>
+            <a:ext cx="4942099" cy="4525148"/>
+          </a:xfrm>
+          <a:prstGeom prst="rect">
+            <a:avLst/>
+          </a:prstGeom>
+          <a:ln>
+            <a:solidFill>
+              <a:schemeClr val="tx1"/>
+            </a:solidFill>
+          </a:ln>
+        </p:spPr>
+      </p:pic>
+      <p:pic>
+        <p:nvPicPr>
+          <p:cNvPr id="10" name="Picture 9"/>
+          <p:cNvPicPr>
+            <a:picLocks noChangeAspect="1"/>
+          </p:cNvPicPr>
+          <p:nvPr/>
+        </p:nvPicPr>
+        <p:blipFill>
+          <a:blip r:embed="rId9">
+            <a:extLst>
+              <a:ext uri="{28A0092B-C50C-407E-A947-70E740481C1C}">
+                <a14:useLocalDpi xmlns:a14="http://schemas.microsoft.com/office/drawing/2010/main" val="0"/>
+              </a:ext>
+            </a:extLst>
+          </a:blip>
+          <a:stretch>
+            <a:fillRect/>
+          </a:stretch>
+        </p:blipFill>
+        <p:spPr>
+          <a:xfrm>
+            <a:off x="25217242" y="12771167"/>
+            <a:ext cx="4800157" cy="4525148"/>
+          </a:xfrm>
+          <a:prstGeom prst="rect">
+            <a:avLst/>
+          </a:prstGeom>
+          <a:ln>
+            <a:solidFill>
+              <a:schemeClr val="tx1"/>
+            </a:solidFill>
+          </a:ln>
+        </p:spPr>
+      </p:pic>
+      <p:pic>
+        <p:nvPicPr>
+          <p:cNvPr id="25" name="Picture 24"/>
+          <p:cNvPicPr>
+            <a:picLocks noChangeAspect="1"/>
+          </p:cNvPicPr>
+          <p:nvPr/>
+        </p:nvPicPr>
+        <p:blipFill>
+          <a:blip r:embed="rId10">
+            <a:extLst>
+              <a:ext uri="{28A0092B-C50C-407E-A947-70E740481C1C}">
+                <a14:useLocalDpi xmlns:a14="http://schemas.microsoft.com/office/drawing/2010/main" val="0"/>
+              </a:ext>
+            </a:extLst>
+          </a:blip>
+          <a:stretch>
+            <a:fillRect/>
+          </a:stretch>
+        </p:blipFill>
+        <p:spPr>
+          <a:xfrm>
+            <a:off x="20389462" y="12789458"/>
+            <a:ext cx="4815059" cy="4525148"/>
+          </a:xfrm>
+          <a:prstGeom prst="rect">
+            <a:avLst/>
+          </a:prstGeom>
+          <a:ln>
+            <a:solidFill>
+              <a:schemeClr val="tx1"/>
+            </a:solidFill>
+          </a:ln>
+        </p:spPr>
+      </p:pic>
+      <p:sp>
+        <p:nvSpPr>
+          <p:cNvPr id="26" name="TextBox 25"/>
+          <p:cNvSpPr txBox="1"/>
+          <p:nvPr/>
+        </p:nvSpPr>
+        <p:spPr>
+          <a:xfrm>
+            <a:off x="15434642" y="17544605"/>
+            <a:ext cx="14582757" cy="1384995"/>
+          </a:xfrm>
+          <a:prstGeom prst="rect">
+            <a:avLst/>
+          </a:prstGeom>
+          <a:noFill/>
+        </p:spPr>
+        <p:txBody>
+          <a:bodyPr wrap="square" rtlCol="0">
+            <a:spAutoFit/>
+          </a:bodyPr>
+          <a:lstStyle/>
+          <a:p>
+            <a:r>
+              <a:rPr lang="en-GB" sz="2800" dirty="0" smtClean="0"/>
+              <a:t>In order of relevance and from left to right: frequency plots of MFCC, 5</a:t>
+            </a:r>
+            <a:r>
+              <a:rPr lang="en-GB" sz="2800" baseline="30000" dirty="0" smtClean="0"/>
+              <a:t>th</a:t>
+            </a:r>
+            <a:r>
+              <a:rPr lang="en-GB" sz="2800" dirty="0" smtClean="0"/>
+              <a:t> shortest frequency bin, mean spectral Chroma feature (mean pitch, with higher pitch on the right) MFCC, 10</a:t>
+            </a:r>
+            <a:r>
+              <a:rPr lang="en-GB" sz="2800" baseline="30000" dirty="0" smtClean="0"/>
+              <a:t>th</a:t>
+            </a:r>
+            <a:r>
+              <a:rPr lang="en-GB" sz="2800" dirty="0" smtClean="0"/>
+              <a:t> shortest frequency bin.</a:t>
+            </a:r>
+            <a:endParaRPr lang="en-GB" sz="2800" dirty="0"/>
+          </a:p>
+        </p:txBody>
+      </p:sp>
+      <p:sp>
+        <p:nvSpPr>
+          <p:cNvPr id="27" name="TextBox 26"/>
+          <p:cNvSpPr txBox="1"/>
+          <p:nvPr/>
+        </p:nvSpPr>
+        <p:spPr>
+          <a:xfrm>
+            <a:off x="15434642" y="18496644"/>
+            <a:ext cx="14582757" cy="523220"/>
+          </a:xfrm>
+          <a:prstGeom prst="rect">
+            <a:avLst/>
+          </a:prstGeom>
+          <a:noFill/>
+        </p:spPr>
+        <p:txBody>
+          <a:bodyPr wrap="square" rtlCol="0">
+            <a:spAutoFit/>
+          </a:bodyPr>
+          <a:lstStyle/>
+          <a:p>
+            <a:r>
+              <a:rPr lang="en-GB" sz="2800" dirty="0" smtClean="0"/>
+              <a:t>According to this data, English men speak with a higher pitch than women and others.</a:t>
+            </a:r>
+            <a:endParaRPr lang="en-GB" sz="2800" dirty="0"/>
+          </a:p>
+        </p:txBody>
+      </p:sp>
     </p:spTree>
     <p:extLst>
       <p:ext uri="{BB962C8B-B14F-4D97-AF65-F5344CB8AC3E}">

--- a/Poster.pptx
+++ b/Poster.pptx
@@ -243,7 +243,7 @@
           <a:p>
             <a:fld id="{494A8676-F52B-437A-BBAC-24E4C1277226}" type="datetimeFigureOut">
               <a:rPr lang="en-GB" smtClean="0"/>
-              <a:t>14/12/2019</a:t>
+              <a:t>15/12/2019</a:t>
             </a:fld>
             <a:endParaRPr lang="en-GB"/>
           </a:p>
@@ -413,7 +413,7 @@
           <a:p>
             <a:fld id="{494A8676-F52B-437A-BBAC-24E4C1277226}" type="datetimeFigureOut">
               <a:rPr lang="en-GB" smtClean="0"/>
-              <a:t>14/12/2019</a:t>
+              <a:t>15/12/2019</a:t>
             </a:fld>
             <a:endParaRPr lang="en-GB"/>
           </a:p>
@@ -593,7 +593,7 @@
           <a:p>
             <a:fld id="{494A8676-F52B-437A-BBAC-24E4C1277226}" type="datetimeFigureOut">
               <a:rPr lang="en-GB" smtClean="0"/>
-              <a:t>14/12/2019</a:t>
+              <a:t>15/12/2019</a:t>
             </a:fld>
             <a:endParaRPr lang="en-GB"/>
           </a:p>
@@ -763,7 +763,7 @@
           <a:p>
             <a:fld id="{494A8676-F52B-437A-BBAC-24E4C1277226}" type="datetimeFigureOut">
               <a:rPr lang="en-GB" smtClean="0"/>
-              <a:t>14/12/2019</a:t>
+              <a:t>15/12/2019</a:t>
             </a:fld>
             <a:endParaRPr lang="en-GB"/>
           </a:p>
@@ -1007,7 +1007,7 @@
           <a:p>
             <a:fld id="{494A8676-F52B-437A-BBAC-24E4C1277226}" type="datetimeFigureOut">
               <a:rPr lang="en-GB" smtClean="0"/>
-              <a:t>14/12/2019</a:t>
+              <a:t>15/12/2019</a:t>
             </a:fld>
             <a:endParaRPr lang="en-GB"/>
           </a:p>
@@ -1239,7 +1239,7 @@
           <a:p>
             <a:fld id="{494A8676-F52B-437A-BBAC-24E4C1277226}" type="datetimeFigureOut">
               <a:rPr lang="en-GB" smtClean="0"/>
-              <a:t>14/12/2019</a:t>
+              <a:t>15/12/2019</a:t>
             </a:fld>
             <a:endParaRPr lang="en-GB"/>
           </a:p>
@@ -1606,7 +1606,7 @@
           <a:p>
             <a:fld id="{494A8676-F52B-437A-BBAC-24E4C1277226}" type="datetimeFigureOut">
               <a:rPr lang="en-GB" smtClean="0"/>
-              <a:t>14/12/2019</a:t>
+              <a:t>15/12/2019</a:t>
             </a:fld>
             <a:endParaRPr lang="en-GB"/>
           </a:p>
@@ -1724,7 +1724,7 @@
           <a:p>
             <a:fld id="{494A8676-F52B-437A-BBAC-24E4C1277226}" type="datetimeFigureOut">
               <a:rPr lang="en-GB" smtClean="0"/>
-              <a:t>14/12/2019</a:t>
+              <a:t>15/12/2019</a:t>
             </a:fld>
             <a:endParaRPr lang="en-GB"/>
           </a:p>
@@ -1819,7 +1819,7 @@
           <a:p>
             <a:fld id="{494A8676-F52B-437A-BBAC-24E4C1277226}" type="datetimeFigureOut">
               <a:rPr lang="en-GB" smtClean="0"/>
-              <a:t>14/12/2019</a:t>
+              <a:t>15/12/2019</a:t>
             </a:fld>
             <a:endParaRPr lang="en-GB"/>
           </a:p>
@@ -2096,7 +2096,7 @@
           <a:p>
             <a:fld id="{494A8676-F52B-437A-BBAC-24E4C1277226}" type="datetimeFigureOut">
               <a:rPr lang="en-GB" smtClean="0"/>
-              <a:t>14/12/2019</a:t>
+              <a:t>15/12/2019</a:t>
             </a:fld>
             <a:endParaRPr lang="en-GB"/>
           </a:p>
@@ -2353,7 +2353,7 @@
           <a:p>
             <a:fld id="{494A8676-F52B-437A-BBAC-24E4C1277226}" type="datetimeFigureOut">
               <a:rPr lang="en-GB" smtClean="0"/>
-              <a:t>14/12/2019</a:t>
+              <a:t>15/12/2019</a:t>
             </a:fld>
             <a:endParaRPr lang="en-GB"/>
           </a:p>
@@ -2584,7 +2584,7 @@
           <a:p>
             <a:fld id="{494A8676-F52B-437A-BBAC-24E4C1277226}" type="datetimeFigureOut">
               <a:rPr lang="en-GB" smtClean="0"/>
-              <a:t>14/12/2019</a:t>
+              <a:t>15/12/2019</a:t>
             </a:fld>
             <a:endParaRPr lang="en-GB"/>
           </a:p>
@@ -3110,11 +3110,7 @@
           <a:p>
             <a:r>
               <a:rPr lang="en-GB" sz="4000" dirty="0" smtClean="0"/>
-              <a:t>Datasets </a:t>
-            </a:r>
-            <a:r>
-              <a:rPr lang="en-GB" sz="4000" dirty="0" smtClean="0"/>
-              <a:t>include mp3 audio files and </a:t>
+              <a:t>Datasets include mp3 audio files and </a:t>
             </a:r>
             <a:r>
               <a:rPr lang="en-GB" sz="4000" dirty="0" err="1" smtClean="0"/>
@@ -3181,7 +3177,6 @@
               <a:rPr lang="en-GB" sz="4000" b="1" dirty="0" smtClean="0"/>
               <a:t>Description of The Original Datasets</a:t>
             </a:r>
-            <a:endParaRPr lang="en-GB" sz="4000" b="1" dirty="0" smtClean="0"/>
           </a:p>
           <a:p>
             <a:pPr marL="571500" indent="-571500">
@@ -3192,7 +3187,6 @@
               <a:rPr lang="en-GB" sz="3600" dirty="0" smtClean="0"/>
               <a:t>English dataset (30GB)</a:t>
             </a:r>
-            <a:endParaRPr lang="en-GB" sz="3600" dirty="0" smtClean="0"/>
           </a:p>
           <a:p>
             <a:pPr marL="2325365" lvl="1" indent="-571500">
@@ -3201,17 +3195,8 @@
             </a:pPr>
             <a:r>
               <a:rPr lang="en-GB" sz="3200" dirty="0" smtClean="0"/>
-              <a:t>1087 </a:t>
-            </a:r>
-            <a:r>
-              <a:rPr lang="en-GB" sz="3200" dirty="0" smtClean="0"/>
-              <a:t>hours of </a:t>
-            </a:r>
-            <a:r>
-              <a:rPr lang="en-GB" sz="3200" dirty="0" smtClean="0"/>
-              <a:t>audio, 780 hours of it validated</a:t>
-            </a:r>
-            <a:endParaRPr lang="en-GB" sz="3200" dirty="0" smtClean="0"/>
+              <a:t>1087 hours of audio, 780 hours of it validated</a:t>
+            </a:r>
           </a:p>
           <a:p>
             <a:pPr marL="2325365" lvl="1" indent="-571500">
@@ -3220,15 +3205,7 @@
             </a:pPr>
             <a:r>
               <a:rPr lang="en-GB" sz="3200" dirty="0" smtClean="0"/>
-              <a:t>39 </a:t>
-            </a:r>
-            <a:r>
-              <a:rPr lang="en-GB" sz="3200" dirty="0" smtClean="0"/>
-              <a:t>577 different </a:t>
-            </a:r>
-            <a:r>
-              <a:rPr lang="en-GB" sz="3200" dirty="0" smtClean="0"/>
-              <a:t>voices</a:t>
+              <a:t>39 577 different voices</a:t>
             </a:r>
           </a:p>
           <a:p>
@@ -3352,7 +3329,6 @@
               <a:rPr lang="en-GB" sz="3200" dirty="0" smtClean="0"/>
               <a:t>Swedish (89MB)</a:t>
             </a:r>
-            <a:endParaRPr lang="en-GB" sz="3200" dirty="0" smtClean="0"/>
           </a:p>
         </p:txBody>
       </p:sp>
@@ -3557,31 +3533,8 @@
                 <a:latin typeface="Constantia" panose="02030602050306030303" pitchFamily="18" charset="0"/>
                 <a:cs typeface="Times New Roman" panose="02020603050405020304" pitchFamily="18" charset="0"/>
               </a:rPr>
-              <a:t>lassification Based on </a:t>
-            </a:r>
-            <a:r>
-              <a:rPr lang="en-GB" sz="7200" dirty="0" smtClean="0">
-                <a:solidFill>
-                  <a:schemeClr val="tx1">
-                    <a:lumMod val="85000"/>
-                    <a:lumOff val="15000"/>
-                  </a:schemeClr>
-                </a:solidFill>
-                <a:latin typeface="Constantia" panose="02030602050306030303" pitchFamily="18" charset="0"/>
-                <a:cs typeface="Times New Roman" panose="02020603050405020304" pitchFamily="18" charset="0"/>
-              </a:rPr>
-              <a:t>the Speaker’s Voice</a:t>
-            </a:r>
-            <a:endParaRPr lang="en-GB" sz="7200" dirty="0" smtClean="0">
-              <a:solidFill>
-                <a:schemeClr val="tx1">
-                  <a:lumMod val="85000"/>
-                  <a:lumOff val="15000"/>
-                </a:schemeClr>
-              </a:solidFill>
-              <a:latin typeface="Constantia" panose="02030602050306030303" pitchFamily="18" charset="0"/>
-              <a:cs typeface="Times New Roman" panose="02020603050405020304" pitchFamily="18" charset="0"/>
-            </a:endParaRPr>
+              <a:t>lassification Based on the Speaker’s Voice</a:t>
+            </a:r>
           </a:p>
         </p:txBody>
       </p:sp>
@@ -3709,13 +3662,8 @@
           <a:p>
             <a:r>
               <a:rPr lang="en-GB" sz="7200" u="sng" dirty="0" smtClean="0"/>
-              <a:t>Feature Extraction</a:t>
-            </a:r>
-            <a:r>
-              <a:rPr lang="en-GB" sz="7200" u="sng" dirty="0" smtClean="0"/>
-              <a:t>:</a:t>
-            </a:r>
-            <a:endParaRPr lang="en-GB" sz="7200" u="sng" dirty="0" smtClean="0"/>
+              <a:t>Feature Extraction:</a:t>
+            </a:r>
           </a:p>
         </p:txBody>
       </p:sp>
@@ -3728,7 +3676,7 @@
         <p:spPr>
           <a:xfrm>
             <a:off x="620485" y="7711145"/>
-            <a:ext cx="18167577" cy="1938992"/>
+            <a:ext cx="14467115" cy="1938992"/>
           </a:xfrm>
           <a:prstGeom prst="rect">
             <a:avLst/>
@@ -3745,7 +3693,6 @@
               <a:rPr lang="en-GB" sz="4000" dirty="0" smtClean="0"/>
               <a:t>The goal of this project was to explore Mozilla’s Common Voice datasets and to use them to both study the relationships between gender, accent and voice, and model their classification.</a:t>
             </a:r>
-            <a:endParaRPr lang="en-GB" sz="4000" dirty="0" smtClean="0"/>
           </a:p>
         </p:txBody>
       </p:sp>
@@ -3775,7 +3722,6 @@
               <a:rPr lang="en-GB" sz="7200" u="sng" dirty="0" smtClean="0"/>
               <a:t>References:</a:t>
             </a:r>
-            <a:endParaRPr lang="en-GB" sz="7200" u="sng" dirty="0" smtClean="0"/>
           </a:p>
         </p:txBody>
       </p:sp>
@@ -4091,7 +4037,6 @@
               <a:rPr lang="en-GB" sz="7200" u="sng" dirty="0" smtClean="0"/>
               <a:t>Findings and Models:</a:t>
             </a:r>
-            <a:endParaRPr lang="en-GB" sz="7200" u="sng" dirty="0" smtClean="0"/>
           </a:p>
         </p:txBody>
       </p:sp>
@@ -4254,8 +4199,8 @@
         </p:nvSpPr>
         <p:spPr>
           <a:xfrm>
-            <a:off x="15434642" y="17544605"/>
-            <a:ext cx="14582757" cy="1384995"/>
+            <a:off x="15306221" y="17544605"/>
+            <a:ext cx="14968991" cy="1384995"/>
           </a:xfrm>
           <a:prstGeom prst="rect">
             <a:avLst/>
@@ -4300,7 +4245,7 @@
         </p:nvSpPr>
         <p:spPr>
           <a:xfrm>
-            <a:off x="15434642" y="18496644"/>
+            <a:off x="15343047" y="18903900"/>
             <a:ext cx="14582757" cy="523220"/>
           </a:xfrm>
           <a:prstGeom prst="rect">
@@ -4319,6 +4264,58 @@
               <a:t>According to this data, English men speak with a higher pitch than women and others.</a:t>
             </a:r>
             <a:endParaRPr lang="en-GB" sz="2800" dirty="0"/>
+          </a:p>
+        </p:txBody>
+      </p:sp>
+      <p:sp>
+        <p:nvSpPr>
+          <p:cNvPr id="3" name="TextBox 2"/>
+          <p:cNvSpPr txBox="1"/>
+          <p:nvPr/>
+        </p:nvSpPr>
+        <p:spPr>
+          <a:xfrm>
+            <a:off x="15343047" y="19575930"/>
+            <a:ext cx="14404179" cy="2677656"/>
+          </a:xfrm>
+          <a:prstGeom prst="rect">
+            <a:avLst/>
+          </a:prstGeom>
+          <a:noFill/>
+        </p:spPr>
+        <p:txBody>
+          <a:bodyPr wrap="square" rtlCol="0">
+            <a:spAutoFit/>
+          </a:bodyPr>
+          <a:lstStyle/>
+          <a:p>
+            <a:r>
+              <a:rPr lang="en-GB" sz="2800" dirty="0" smtClean="0"/>
+              <a:t>We trained our models on the English dataset. By just keeping gender classes “male” and “female” we could get a balanced </a:t>
+            </a:r>
+            <a:r>
+              <a:rPr lang="en-GB" sz="2800" dirty="0"/>
+              <a:t>dataset with </a:t>
+            </a:r>
+            <a:r>
+              <a:rPr lang="en-GB" sz="2800" dirty="0" smtClean="0"/>
+              <a:t>11583 rows. This gave us accuracy of 91.80% using the Random Forest algorithm and *** accuracy using linear SVM.</a:t>
+            </a:r>
+          </a:p>
+          <a:p>
+            <a:endParaRPr lang="en-GB" sz="2800" dirty="0"/>
+          </a:p>
+          <a:p>
+            <a:r>
+              <a:rPr lang="en-GB" sz="2800" dirty="0" smtClean="0"/>
+              <a:t>We also used the same models on different language datasets:</a:t>
+            </a:r>
+          </a:p>
+          <a:p>
+            <a:r>
+              <a:rPr lang="en-GB" sz="2800" dirty="0" smtClean="0"/>
+              <a:t>Estonian – RF accuracy: *** , SVM(Linear) accuracy: ***</a:t>
+            </a:r>
           </a:p>
         </p:txBody>
       </p:sp>

--- a/Poster.pptx
+++ b/Poster.pptx
@@ -2998,7 +2998,7 @@
           <p:nvPr/>
         </p:nvPicPr>
         <p:blipFill>
-          <a:blip r:embed="rId2">
+          <a:blip r:embed="rId3">
             <a:extLst>
               <a:ext uri="{28A0092B-C50C-407E-A947-70E740481C1C}">
                 <a14:useLocalDpi xmlns:a14="http://schemas.microsoft.com/office/drawing/2010/main" val="0"/>
@@ -3769,13 +3769,13 @@
             </a:r>
             <a:r>
               <a:rPr lang="en-GB" sz="2800" dirty="0">
-                <a:hlinkClick r:id="rId3"/>
+                <a:hlinkClick r:id="rId4"/>
               </a:rPr>
               <a:t>https://</a:t>
             </a:r>
             <a:r>
               <a:rPr lang="en-GB" sz="2800" dirty="0" smtClean="0">
-                <a:hlinkClick r:id="rId3"/>
+                <a:hlinkClick r:id="rId4"/>
               </a:rPr>
               <a:t>voice.mozilla.org/en/datasets</a:t>
             </a:r>
@@ -3800,19 +3800,19 @@
             </a:r>
             <a:r>
               <a:rPr lang="en-GB" sz="2800" dirty="0" smtClean="0">
-                <a:hlinkClick r:id="rId4"/>
+                <a:hlinkClick r:id="rId5"/>
               </a:rPr>
               <a:t>https</a:t>
             </a:r>
             <a:r>
               <a:rPr lang="en-GB" sz="2800" dirty="0">
-                <a:hlinkClick r:id="rId4"/>
+                <a:hlinkClick r:id="rId5"/>
               </a:rPr>
               <a:t>://</a:t>
             </a:r>
             <a:r>
               <a:rPr lang="en-GB" sz="2800" dirty="0" smtClean="0">
-                <a:hlinkClick r:id="rId4"/>
+                <a:hlinkClick r:id="rId5"/>
               </a:rPr>
               <a:t>towardsdatascience.com/extract-features-of-music-75a3f9bc265d</a:t>
             </a:r>
@@ -3849,7 +3849,7 @@
             </a:r>
             <a:r>
               <a:rPr lang="en-GB" sz="2800" dirty="0" smtClean="0">
-                <a:hlinkClick r:id="rId5"/>
+                <a:hlinkClick r:id="rId6"/>
               </a:rPr>
               <a:t>https://librosa.github.io/librosa/</a:t>
             </a:r>
@@ -3878,13 +3878,13 @@
             </a:r>
             <a:r>
               <a:rPr lang="en-GB" sz="2800" dirty="0" err="1" smtClean="0">
-                <a:hlinkClick r:id="rId6"/>
+                <a:hlinkClick r:id="rId7"/>
               </a:rPr>
               <a:t>Scikit</a:t>
             </a:r>
             <a:r>
               <a:rPr lang="en-GB" sz="2800" dirty="0" smtClean="0">
-                <a:hlinkClick r:id="rId6"/>
+                <a:hlinkClick r:id="rId7"/>
               </a:rPr>
               <a:t>-learn: Machine Learning in Python</a:t>
             </a:r>
@@ -3932,13 +3932,13 @@
             </a:r>
             <a:r>
               <a:rPr lang="en-GB" sz="2800" dirty="0">
-                <a:hlinkClick r:id="rId4"/>
+                <a:hlinkClick r:id="rId5"/>
               </a:rPr>
               <a:t>https://</a:t>
             </a:r>
             <a:r>
               <a:rPr lang="en-GB" sz="2800" dirty="0" smtClean="0">
-                <a:hlinkClick r:id="rId4"/>
+                <a:hlinkClick r:id="rId5"/>
               </a:rPr>
               <a:t>towardsdatascience.com/extract-features-of-music-75a3f9bc265d</a:t>
             </a:r>
@@ -3955,7 +3955,7 @@
           <p:nvPr/>
         </p:nvPicPr>
         <p:blipFill>
-          <a:blip r:embed="rId7">
+          <a:blip r:embed="rId8">
             <a:extLst>
               <a:ext uri="{28A0092B-C50C-407E-A947-70E740481C1C}">
                 <a14:useLocalDpi xmlns:a14="http://schemas.microsoft.com/office/drawing/2010/main" val="0"/>
@@ -4095,7 +4095,7 @@
           <p:nvPr/>
         </p:nvPicPr>
         <p:blipFill>
-          <a:blip r:embed="rId8">
+          <a:blip r:embed="rId9">
             <a:extLst>
               <a:ext uri="{28A0092B-C50C-407E-A947-70E740481C1C}">
                 <a14:useLocalDpi xmlns:a14="http://schemas.microsoft.com/office/drawing/2010/main" val="0"/>
@@ -4130,7 +4130,7 @@
           <p:nvPr/>
         </p:nvPicPr>
         <p:blipFill>
-          <a:blip r:embed="rId9">
+          <a:blip r:embed="rId10">
             <a:extLst>
               <a:ext uri="{28A0092B-C50C-407E-A947-70E740481C1C}">
                 <a14:useLocalDpi xmlns:a14="http://schemas.microsoft.com/office/drawing/2010/main" val="0"/>
@@ -4165,7 +4165,7 @@
           <p:nvPr/>
         </p:nvPicPr>
         <p:blipFill>
-          <a:blip r:embed="rId10">
+          <a:blip r:embed="rId11">
             <a:extLst>
               <a:ext uri="{28A0092B-C50C-407E-A947-70E740481C1C}">
                 <a14:useLocalDpi xmlns:a14="http://schemas.microsoft.com/office/drawing/2010/main" val="0"/>
@@ -4276,7 +4276,7 @@
         <p:spPr>
           <a:xfrm>
             <a:off x="15343047" y="19575930"/>
-            <a:ext cx="14404179" cy="2677656"/>
+            <a:ext cx="14404179" cy="3293209"/>
           </a:xfrm>
           <a:prstGeom prst="rect">
             <a:avLst/>
@@ -4290,8 +4290,19 @@
           <a:lstStyle/>
           <a:p>
             <a:r>
+              <a:rPr lang="en-GB" sz="4000" dirty="0" smtClean="0"/>
+              <a:t>Gender</a:t>
+            </a:r>
+            <a:endParaRPr lang="en-GB" sz="2800" dirty="0"/>
+          </a:p>
+          <a:p>
+            <a:r>
               <a:rPr lang="en-GB" sz="2800" dirty="0" smtClean="0"/>
-              <a:t>We trained our models on the English dataset. By just keeping gender classes “male” and “female” we could get a balanced </a:t>
+              <a:t>We </a:t>
+            </a:r>
+            <a:r>
+              <a:rPr lang="en-GB" sz="2800" dirty="0" smtClean="0"/>
+              <a:t>trained our models on the English dataset. By just keeping gender classes “male” and “female” we could get a balanced </a:t>
             </a:r>
             <a:r>
               <a:rPr lang="en-GB" sz="2800" dirty="0"/>
@@ -4299,7 +4310,19 @@
             </a:r>
             <a:r>
               <a:rPr lang="en-GB" sz="2800" dirty="0" smtClean="0"/>
-              <a:t>11583 rows. This gave us accuracy of 91.80% using the Random Forest algorithm and *** accuracy using linear SVM.</a:t>
+              <a:t>11583 rows. This gave us accuracy of 91.80% using the Random Forest algorithm and </a:t>
+            </a:r>
+            <a:r>
+              <a:rPr lang="en-GB" sz="2800" dirty="0" smtClean="0"/>
+              <a:t>81.24%</a:t>
+            </a:r>
+            <a:r>
+              <a:rPr lang="en-GB" sz="2800" dirty="0" smtClean="0"/>
+              <a:t> </a:t>
+            </a:r>
+            <a:r>
+              <a:rPr lang="en-GB" sz="2800" dirty="0" smtClean="0"/>
+              <a:t>accuracy using linear SVM.</a:t>
             </a:r>
           </a:p>
           <a:p>
@@ -4314,8 +4337,124 @@
           <a:p>
             <a:r>
               <a:rPr lang="en-GB" sz="2800" dirty="0" smtClean="0"/>
-              <a:t>Estonian – RF accuracy: *** , SVM(Linear) accuracy: ***</a:t>
-            </a:r>
+              <a:t>Estonian – RF accuracy: </a:t>
+            </a:r>
+            <a:r>
+              <a:rPr lang="en-GB" sz="2800" dirty="0" smtClean="0"/>
+              <a:t>87.92%</a:t>
+            </a:r>
+            <a:r>
+              <a:rPr lang="en-GB" sz="2800" dirty="0" smtClean="0"/>
+              <a:t> </a:t>
+            </a:r>
+            <a:r>
+              <a:rPr lang="en-GB" sz="2800" dirty="0" smtClean="0"/>
+              <a:t>, SVM(Linear) accuracy: </a:t>
+            </a:r>
+            <a:r>
+              <a:rPr lang="en-GB" sz="2800" dirty="0" smtClean="0"/>
+              <a:t>86.22%</a:t>
+            </a:r>
+            <a:endParaRPr lang="en-GB" sz="2800" dirty="0" smtClean="0"/>
+          </a:p>
+        </p:txBody>
+      </p:sp>
+      <p:graphicFrame>
+        <p:nvGraphicFramePr>
+          <p:cNvPr id="30" name="Object 29"/>
+          <p:cNvGraphicFramePr>
+            <a:graphicFrameLocks noChangeAspect="1"/>
+          </p:cNvGraphicFramePr>
+          <p:nvPr>
+            <p:extLst>
+              <p:ext uri="{D42A27DB-BD31-4B8C-83A1-F6EECF244321}">
+                <p14:modId xmlns:p14="http://schemas.microsoft.com/office/powerpoint/2010/main" val="1245204435"/>
+              </p:ext>
+            </p:extLst>
+          </p:nvPr>
+        </p:nvGraphicFramePr>
+        <p:xfrm>
+          <a:off x="25071003" y="21222534"/>
+          <a:ext cx="5092633" cy="4093342"/>
+        </p:xfrm>
+        <a:graphic>
+          <a:graphicData uri="http://schemas.openxmlformats.org/presentationml/2006/ole">
+            <mc:AlternateContent xmlns:mc="http://schemas.openxmlformats.org/markup-compatibility/2006">
+              <mc:Choice xmlns:v="urn:schemas-microsoft-com:vml" Requires="v">
+                <p:oleObj spid="_x0000_s1028" name="PDF" r:id="rId12" imgW="0" imgH="360" progId="FoxitReader.Document">
+                  <p:embed/>
+                </p:oleObj>
+              </mc:Choice>
+              <mc:Fallback>
+                <p:oleObj name="PDF" r:id="rId12" imgW="0" imgH="360" progId="FoxitReader.Document">
+                  <p:embed/>
+                  <p:pic>
+                    <p:nvPicPr>
+                      <p:cNvPr id="0" name=""/>
+                      <p:cNvPicPr/>
+                      <p:nvPr/>
+                    </p:nvPicPr>
+                    <p:blipFill>
+                      <a:blip r:embed="rId13"/>
+                      <a:stretch>
+                        <a:fillRect/>
+                      </a:stretch>
+                    </p:blipFill>
+                    <p:spPr>
+                      <a:xfrm>
+                        <a:off x="25071003" y="21222534"/>
+                        <a:ext cx="5092633" cy="4093342"/>
+                      </a:xfrm>
+                      <a:prstGeom prst="rect">
+                        <a:avLst/>
+                      </a:prstGeom>
+                    </p:spPr>
+                  </p:pic>
+                </p:oleObj>
+              </mc:Fallback>
+            </mc:AlternateContent>
+          </a:graphicData>
+        </a:graphic>
+      </p:graphicFrame>
+      <p:sp>
+        <p:nvSpPr>
+          <p:cNvPr id="38" name="TextBox 37"/>
+          <p:cNvSpPr txBox="1"/>
+          <p:nvPr/>
+        </p:nvSpPr>
+        <p:spPr>
+          <a:xfrm>
+            <a:off x="15434642" y="27026891"/>
+            <a:ext cx="1604991" cy="1938992"/>
+          </a:xfrm>
+          <a:prstGeom prst="rect">
+            <a:avLst/>
+          </a:prstGeom>
+          <a:noFill/>
+        </p:spPr>
+        <p:txBody>
+          <a:bodyPr wrap="none" rtlCol="0">
+            <a:spAutoFit/>
+          </a:bodyPr>
+          <a:lstStyle/>
+          <a:p>
+            <a:r>
+              <a:rPr lang="en-GB" sz="4000" dirty="0" smtClean="0"/>
+              <a:t>Accent</a:t>
+            </a:r>
+          </a:p>
+          <a:p>
+            <a:r>
+              <a:rPr lang="en-GB" sz="4000" dirty="0" smtClean="0"/>
+              <a:t>---</a:t>
+            </a:r>
+          </a:p>
+          <a:p>
+            <a:r>
+              <a:rPr lang="en-GB" sz="4000" dirty="0" smtClean="0"/>
+              <a:t>---</a:t>
+            </a:r>
+            <a:endParaRPr lang="en-GB" sz="4000" dirty="0"/>
           </a:p>
         </p:txBody>
       </p:sp>

--- a/Poster.pptx
+++ b/Poster.pptx
@@ -4276,7 +4276,7 @@
         <p:spPr>
           <a:xfrm>
             <a:off x="15343047" y="19575930"/>
-            <a:ext cx="14404179" cy="3293209"/>
+            <a:ext cx="14404179" cy="6740307"/>
           </a:xfrm>
           <a:prstGeom prst="rect">
             <a:avLst/>
@@ -4298,11 +4298,7 @@
           <a:p>
             <a:r>
               <a:rPr lang="en-GB" sz="2800" dirty="0" smtClean="0"/>
-              <a:t>We </a:t>
-            </a:r>
-            <a:r>
-              <a:rPr lang="en-GB" sz="2800" dirty="0" smtClean="0"/>
-              <a:t>trained our models on the English dataset. By just keeping gender classes “male” and “female” we could get a balanced </a:t>
+              <a:t>We trained our models on the English dataset. By just keeping gender classes “male” and “female” we could get a balanced </a:t>
             </a:r>
             <a:r>
               <a:rPr lang="en-GB" sz="2800" dirty="0"/>
@@ -4310,19 +4306,7 @@
             </a:r>
             <a:r>
               <a:rPr lang="en-GB" sz="2800" dirty="0" smtClean="0"/>
-              <a:t>11583 rows. This gave us accuracy of 91.80% using the Random Forest algorithm and </a:t>
-            </a:r>
-            <a:r>
-              <a:rPr lang="en-GB" sz="2800" dirty="0" smtClean="0"/>
-              <a:t>81.24%</a:t>
-            </a:r>
-            <a:r>
-              <a:rPr lang="en-GB" sz="2800" dirty="0" smtClean="0"/>
-              <a:t> </a:t>
-            </a:r>
-            <a:r>
-              <a:rPr lang="en-GB" sz="2800" dirty="0" smtClean="0"/>
-              <a:t>accuracy using linear SVM.</a:t>
+              <a:t>11583 rows. This gave us accuracy of 91.80% using the Random Forest algorithm and 81.24% accuracy using linear SVM.</a:t>
             </a:r>
           </a:p>
           <a:p>
@@ -4337,24 +4321,112 @@
           <a:p>
             <a:r>
               <a:rPr lang="en-GB" sz="2800" dirty="0" smtClean="0"/>
-              <a:t>Estonian – RF accuracy: </a:t>
+              <a:t>Estonian – RF accuracy: 87.92% , SVM(Linear) accuracy: 86.22</a:t>
             </a:r>
             <a:r>
               <a:rPr lang="en-GB" sz="2800" dirty="0" smtClean="0"/>
-              <a:t>87.92%</a:t>
-            </a:r>
+              <a:t>%</a:t>
+            </a:r>
+          </a:p>
+          <a:p>
             <a:r>
               <a:rPr lang="en-GB" sz="2800" dirty="0" smtClean="0"/>
-              <a:t> </a:t>
+              <a:t>Swedish </a:t>
+            </a:r>
+            <a:r>
+              <a:rPr lang="en-GB" sz="2800" dirty="0"/>
+              <a:t>– RF accuracy: </a:t>
             </a:r>
             <a:r>
               <a:rPr lang="en-GB" sz="2800" dirty="0" smtClean="0"/>
+              <a:t>89.72% </a:t>
+            </a:r>
+            <a:r>
+              <a:rPr lang="en-GB" sz="2800" dirty="0"/>
               <a:t>, SVM(Linear) accuracy: </a:t>
             </a:r>
             <a:r>
               <a:rPr lang="en-GB" sz="2800" dirty="0" smtClean="0"/>
-              <a:t>86.22%</a:t>
-            </a:r>
+              <a:t>84.64%</a:t>
+            </a:r>
+          </a:p>
+          <a:p>
+            <a:r>
+              <a:rPr lang="en-GB" sz="2800" dirty="0" smtClean="0"/>
+              <a:t>Russian </a:t>
+            </a:r>
+            <a:r>
+              <a:rPr lang="en-GB" sz="2800" dirty="0"/>
+              <a:t>– RF accuracy: </a:t>
+            </a:r>
+            <a:r>
+              <a:rPr lang="en-GB" sz="2800" dirty="0" smtClean="0"/>
+              <a:t>90.78% </a:t>
+            </a:r>
+            <a:r>
+              <a:rPr lang="en-GB" sz="2800" dirty="0"/>
+              <a:t>, SVM(Linear) accuracy: </a:t>
+            </a:r>
+            <a:r>
+              <a:rPr lang="en-GB" sz="2800" dirty="0" smtClean="0"/>
+              <a:t>87.24%</a:t>
+            </a:r>
+          </a:p>
+          <a:p>
+            <a:r>
+              <a:rPr lang="en-GB" sz="2800" dirty="0" smtClean="0"/>
+              <a:t>Chinese – </a:t>
+            </a:r>
+            <a:r>
+              <a:rPr lang="en-GB" sz="2800" dirty="0"/>
+              <a:t>RF accuracy</a:t>
+            </a:r>
+            <a:r>
+              <a:rPr lang="en-GB" sz="2800" dirty="0" smtClean="0"/>
+              <a:t>: 91.03% </a:t>
+            </a:r>
+            <a:r>
+              <a:rPr lang="en-GB" sz="2800" dirty="0"/>
+              <a:t>, SVM(Linear) accuracy: </a:t>
+            </a:r>
+            <a:r>
+              <a:rPr lang="en-GB" sz="2800" dirty="0" smtClean="0"/>
+              <a:t>86.98%</a:t>
+            </a:r>
+          </a:p>
+          <a:p>
+            <a:r>
+              <a:rPr lang="en-GB" sz="2800" dirty="0" smtClean="0"/>
+              <a:t>Italian </a:t>
+            </a:r>
+            <a:r>
+              <a:rPr lang="en-GB" sz="2800" dirty="0"/>
+              <a:t>– RF accuracy: </a:t>
+            </a:r>
+            <a:r>
+              <a:rPr lang="en-GB" sz="2800" dirty="0" smtClean="0"/>
+              <a:t>80.51% </a:t>
+            </a:r>
+            <a:r>
+              <a:rPr lang="en-GB" sz="2800" dirty="0"/>
+              <a:t>, SVM(Linear) accuracy: </a:t>
+            </a:r>
+            <a:r>
+              <a:rPr lang="en-GB" sz="2800" dirty="0" smtClean="0"/>
+              <a:t>85.43%</a:t>
+            </a:r>
+            <a:endParaRPr lang="en-GB" sz="2800" dirty="0"/>
+          </a:p>
+          <a:p>
+            <a:endParaRPr lang="en-GB" sz="2800" dirty="0"/>
+          </a:p>
+          <a:p>
+            <a:endParaRPr lang="en-GB" sz="2800" dirty="0"/>
+          </a:p>
+          <a:p>
+            <a:endParaRPr lang="en-GB" sz="2800" dirty="0"/>
+          </a:p>
+          <a:p>
             <a:endParaRPr lang="en-GB" sz="2800" dirty="0" smtClean="0"/>
           </a:p>
         </p:txBody>
@@ -4381,7 +4453,7 @@
           <a:graphicData uri="http://schemas.openxmlformats.org/presentationml/2006/ole">
             <mc:AlternateContent xmlns:mc="http://schemas.openxmlformats.org/markup-compatibility/2006">
               <mc:Choice xmlns:v="urn:schemas-microsoft-com:vml" Requires="v">
-                <p:oleObj spid="_x0000_s1028" name="PDF" r:id="rId12" imgW="0" imgH="360" progId="FoxitReader.Document">
+                <p:oleObj spid="_x0000_s1029" name="PDF" r:id="rId12" imgW="0" imgH="360" progId="FoxitReader.Document">
                   <p:embed/>
                 </p:oleObj>
               </mc:Choice>

--- a/Poster.pptx
+++ b/Poster.pptx
@@ -243,7 +243,7 @@
           <a:p>
             <a:fld id="{494A8676-F52B-437A-BBAC-24E4C1277226}" type="datetimeFigureOut">
               <a:rPr lang="en-GB" smtClean="0"/>
-              <a:t>15/12/2019</a:t>
+              <a:t>16/12/2019</a:t>
             </a:fld>
             <a:endParaRPr lang="en-GB"/>
           </a:p>
@@ -413,7 +413,7 @@
           <a:p>
             <a:fld id="{494A8676-F52B-437A-BBAC-24E4C1277226}" type="datetimeFigureOut">
               <a:rPr lang="en-GB" smtClean="0"/>
-              <a:t>15/12/2019</a:t>
+              <a:t>16/12/2019</a:t>
             </a:fld>
             <a:endParaRPr lang="en-GB"/>
           </a:p>
@@ -593,7 +593,7 @@
           <a:p>
             <a:fld id="{494A8676-F52B-437A-BBAC-24E4C1277226}" type="datetimeFigureOut">
               <a:rPr lang="en-GB" smtClean="0"/>
-              <a:t>15/12/2019</a:t>
+              <a:t>16/12/2019</a:t>
             </a:fld>
             <a:endParaRPr lang="en-GB"/>
           </a:p>
@@ -763,7 +763,7 @@
           <a:p>
             <a:fld id="{494A8676-F52B-437A-BBAC-24E4C1277226}" type="datetimeFigureOut">
               <a:rPr lang="en-GB" smtClean="0"/>
-              <a:t>15/12/2019</a:t>
+              <a:t>16/12/2019</a:t>
             </a:fld>
             <a:endParaRPr lang="en-GB"/>
           </a:p>
@@ -1007,7 +1007,7 @@
           <a:p>
             <a:fld id="{494A8676-F52B-437A-BBAC-24E4C1277226}" type="datetimeFigureOut">
               <a:rPr lang="en-GB" smtClean="0"/>
-              <a:t>15/12/2019</a:t>
+              <a:t>16/12/2019</a:t>
             </a:fld>
             <a:endParaRPr lang="en-GB"/>
           </a:p>
@@ -1239,7 +1239,7 @@
           <a:p>
             <a:fld id="{494A8676-F52B-437A-BBAC-24E4C1277226}" type="datetimeFigureOut">
               <a:rPr lang="en-GB" smtClean="0"/>
-              <a:t>15/12/2019</a:t>
+              <a:t>16/12/2019</a:t>
             </a:fld>
             <a:endParaRPr lang="en-GB"/>
           </a:p>
@@ -1606,7 +1606,7 @@
           <a:p>
             <a:fld id="{494A8676-F52B-437A-BBAC-24E4C1277226}" type="datetimeFigureOut">
               <a:rPr lang="en-GB" smtClean="0"/>
-              <a:t>15/12/2019</a:t>
+              <a:t>16/12/2019</a:t>
             </a:fld>
             <a:endParaRPr lang="en-GB"/>
           </a:p>
@@ -1724,7 +1724,7 @@
           <a:p>
             <a:fld id="{494A8676-F52B-437A-BBAC-24E4C1277226}" type="datetimeFigureOut">
               <a:rPr lang="en-GB" smtClean="0"/>
-              <a:t>15/12/2019</a:t>
+              <a:t>16/12/2019</a:t>
             </a:fld>
             <a:endParaRPr lang="en-GB"/>
           </a:p>
@@ -1819,7 +1819,7 @@
           <a:p>
             <a:fld id="{494A8676-F52B-437A-BBAC-24E4C1277226}" type="datetimeFigureOut">
               <a:rPr lang="en-GB" smtClean="0"/>
-              <a:t>15/12/2019</a:t>
+              <a:t>16/12/2019</a:t>
             </a:fld>
             <a:endParaRPr lang="en-GB"/>
           </a:p>
@@ -2096,7 +2096,7 @@
           <a:p>
             <a:fld id="{494A8676-F52B-437A-BBAC-24E4C1277226}" type="datetimeFigureOut">
               <a:rPr lang="en-GB" smtClean="0"/>
-              <a:t>15/12/2019</a:t>
+              <a:t>16/12/2019</a:t>
             </a:fld>
             <a:endParaRPr lang="en-GB"/>
           </a:p>
@@ -2353,7 +2353,7 @@
           <a:p>
             <a:fld id="{494A8676-F52B-437A-BBAC-24E4C1277226}" type="datetimeFigureOut">
               <a:rPr lang="en-GB" smtClean="0"/>
-              <a:t>15/12/2019</a:t>
+              <a:t>16/12/2019</a:t>
             </a:fld>
             <a:endParaRPr lang="en-GB"/>
           </a:p>
@@ -2584,7 +2584,7 @@
           <a:p>
             <a:fld id="{494A8676-F52B-437A-BBAC-24E4C1277226}" type="datetimeFigureOut">
               <a:rPr lang="en-GB" smtClean="0"/>
-              <a:t>15/12/2019</a:t>
+              <a:t>16/12/2019</a:t>
             </a:fld>
             <a:endParaRPr lang="en-GB"/>
           </a:p>
@@ -3012,7 +3012,7 @@
         <p:spPr>
           <a:xfrm>
             <a:off x="10816771" y="51585"/>
-            <a:ext cx="19175186" cy="9294447"/>
+            <a:ext cx="19175186" cy="7884373"/>
           </a:xfrm>
           <a:prstGeom prst="rect">
             <a:avLst/>
@@ -3042,12 +3042,30 @@
           <a:lstStyle/>
           <a:p>
             <a:r>
-              <a:rPr lang="en-GB" sz="14000" b="1" u="sng" dirty="0" smtClean="0">
+              <a:rPr lang="en-GB" sz="14000" b="1" dirty="0" smtClean="0">
                 <a:latin typeface="Constantia" panose="02030602050306030303" pitchFamily="18" charset="0"/>
                 <a:cs typeface="Times New Roman" panose="02020603050405020304" pitchFamily="18" charset="0"/>
               </a:rPr>
-              <a:t>Speaker Recognition</a:t>
-            </a:r>
+              <a:t>Speaker</a:t>
+            </a:r>
+            <a:r>
+              <a:rPr lang="en-GB" sz="14000" b="1" dirty="0">
+                <a:latin typeface="Constantia" panose="02030602050306030303" pitchFamily="18" charset="0"/>
+                <a:cs typeface="Times New Roman" panose="02020603050405020304" pitchFamily="18" charset="0"/>
+              </a:rPr>
+              <a:t> </a:t>
+            </a:r>
+            <a:r>
+              <a:rPr lang="en-GB" sz="14000" b="1" dirty="0" smtClean="0">
+                <a:latin typeface="Constantia" panose="02030602050306030303" pitchFamily="18" charset="0"/>
+                <a:cs typeface="Times New Roman" panose="02020603050405020304" pitchFamily="18" charset="0"/>
+              </a:rPr>
+              <a:t>Recognition</a:t>
+            </a:r>
+            <a:endParaRPr lang="en-GB" sz="14000" b="1" dirty="0" smtClean="0">
+              <a:latin typeface="Constantia" panose="02030602050306030303" pitchFamily="18" charset="0"/>
+              <a:cs typeface="Times New Roman" panose="02020603050405020304" pitchFamily="18" charset="0"/>
+            </a:endParaRPr>
           </a:p>
         </p:txBody>
       </p:sp>
@@ -3089,7 +3107,7 @@
         <p:spPr>
           <a:xfrm>
             <a:off x="620486" y="10850466"/>
-            <a:ext cx="14685736" cy="15604272"/>
+            <a:ext cx="14467114" cy="15604272"/>
           </a:xfrm>
           <a:prstGeom prst="rect">
             <a:avLst/>
@@ -3364,68 +3382,15 @@
             <a:pPr algn="just"/>
             <a:r>
               <a:rPr lang="en-GB" sz="4000" dirty="0" smtClean="0"/>
-              <a:t>Before feature </a:t>
-            </a:r>
+              <a:t>Before feature extraction, the English dataset files needed to be converted from an mp3 format into a wav format. Only 100K clips from the total 800K, made it through this stage due to resource limitations. were converted and studied. Dropping rows where the gender or accent is nan, reduced the data by a further third.</a:t>
+            </a:r>
+          </a:p>
+          <a:p>
+            <a:pPr algn="just"/>
             <a:r>
               <a:rPr lang="en-GB" sz="4000" dirty="0" smtClean="0"/>
-              <a:t>extraction, the English dataset files needed to </a:t>
-            </a:r>
-            <a:r>
-              <a:rPr lang="en-GB" sz="4000" dirty="0" smtClean="0"/>
-              <a:t>be converted from an mp3 format </a:t>
-            </a:r>
-            <a:r>
-              <a:rPr lang="en-GB" sz="4000" dirty="0" smtClean="0"/>
-              <a:t>into a </a:t>
-            </a:r>
-            <a:r>
-              <a:rPr lang="en-GB" sz="4000" dirty="0" smtClean="0"/>
-              <a:t>wav format</a:t>
-            </a:r>
-            <a:r>
-              <a:rPr lang="en-GB" sz="4000" dirty="0" smtClean="0"/>
-              <a:t>. </a:t>
-            </a:r>
-            <a:r>
-              <a:rPr lang="en-GB" sz="4000" dirty="0" smtClean="0"/>
-              <a:t>O</a:t>
-            </a:r>
-            <a:r>
-              <a:rPr lang="en-GB" sz="4000" dirty="0" smtClean="0"/>
-              <a:t>nly 100K </a:t>
-            </a:r>
-            <a:r>
-              <a:rPr lang="en-GB" sz="4000" dirty="0" smtClean="0"/>
-              <a:t>clips from the </a:t>
-            </a:r>
-            <a:r>
-              <a:rPr lang="en-GB" sz="4000" dirty="0" smtClean="0"/>
-              <a:t>total 800K, made it through this stage due to resource limitations.</a:t>
-            </a:r>
-            <a:r>
-              <a:rPr lang="en-GB" sz="4000" dirty="0" smtClean="0"/>
-              <a:t> </a:t>
-            </a:r>
-            <a:r>
-              <a:rPr lang="en-GB" sz="4000" dirty="0" smtClean="0"/>
-              <a:t>were converted and </a:t>
-            </a:r>
-            <a:r>
-              <a:rPr lang="en-GB" sz="4000" dirty="0" smtClean="0"/>
-              <a:t>studied. Dropping rows where the gender or accent is nan, reduced the data by a further third.</a:t>
-            </a:r>
-          </a:p>
-          <a:p>
-            <a:pPr algn="just"/>
-            <a:r>
-              <a:rPr lang="en-GB" sz="4000" dirty="0" smtClean="0"/>
-              <a:t>The features extracted were:</a:t>
-            </a:r>
-            <a:r>
-              <a:rPr lang="en-GB" sz="4000" dirty="0" smtClean="0"/>
-              <a:t> </a:t>
-            </a:r>
-            <a:endParaRPr lang="en-GB" sz="4000" dirty="0" smtClean="0"/>
+              <a:t>The features extracted were: </a:t>
+            </a:r>
           </a:p>
           <a:p>
             <a:pPr marL="457200" indent="-457200" algn="just">
@@ -3434,11 +3399,7 @@
             </a:pPr>
             <a:r>
               <a:rPr lang="en-GB" sz="3200" dirty="0" smtClean="0"/>
-              <a:t>Mean zero-crossing </a:t>
-            </a:r>
-            <a:r>
-              <a:rPr lang="en-GB" sz="3200" dirty="0" smtClean="0"/>
-              <a:t>rate (How often the wave’s amplitude crosses over 0.)</a:t>
+              <a:t>Mean zero-crossing rate (How often the wave’s amplitude crosses over 0.)</a:t>
             </a:r>
             <a:endParaRPr lang="en-GB" sz="3200" dirty="0"/>
           </a:p>
@@ -3449,11 +3410,7 @@
             </a:pPr>
             <a:r>
               <a:rPr lang="en-GB" sz="3200" dirty="0" smtClean="0"/>
-              <a:t>Mean spectral </a:t>
-            </a:r>
-            <a:r>
-              <a:rPr lang="en-GB" sz="3200" dirty="0" smtClean="0"/>
-              <a:t>roll-off </a:t>
+              <a:t>Mean spectral roll-off </a:t>
             </a:r>
             <a:endParaRPr lang="en-GB" sz="3200" dirty="0"/>
           </a:p>
@@ -3464,11 +3421,7 @@
             </a:pPr>
             <a:r>
               <a:rPr lang="en-GB" sz="3200" dirty="0" smtClean="0"/>
-              <a:t>Mean spectral </a:t>
-            </a:r>
-            <a:r>
-              <a:rPr lang="en-GB" sz="3200" dirty="0" smtClean="0"/>
-              <a:t>centroid (Frequency’s centre of mass)</a:t>
+              <a:t>Mean spectral centroid (Frequency’s centre of mass)</a:t>
             </a:r>
             <a:endParaRPr lang="en-GB" sz="3200" dirty="0"/>
           </a:p>
@@ -3512,13 +3465,8 @@
             </a:pPr>
             <a:r>
               <a:rPr lang="en-GB" sz="3200" dirty="0" smtClean="0"/>
-              <a:t>Mean </a:t>
-            </a:r>
-            <a:r>
-              <a:rPr lang="en-GB" sz="3200" dirty="0" smtClean="0"/>
-              <a:t>spectral root-mean-square</a:t>
-            </a:r>
-            <a:endParaRPr lang="en-GB" sz="3200" dirty="0" smtClean="0"/>
+              <a:t>Mean spectral root-mean-square</a:t>
+            </a:r>
           </a:p>
           <a:p>
             <a:pPr marL="457200" indent="-457200" algn="just">
@@ -3527,15 +3475,7 @@
             </a:pPr>
             <a:r>
               <a:rPr lang="en-GB" sz="3200" dirty="0" smtClean="0"/>
-              <a:t>Mean value of </a:t>
-            </a:r>
-            <a:r>
-              <a:rPr lang="en-GB" sz="3200" dirty="0" smtClean="0"/>
-              <a:t>20 </a:t>
-            </a:r>
-            <a:r>
-              <a:rPr lang="en-GB" sz="3200" dirty="0" smtClean="0"/>
-              <a:t>Mel-frequency </a:t>
+              <a:t>Mean value of 20 Mel-frequency </a:t>
             </a:r>
             <a:r>
               <a:rPr lang="en-GB" sz="3200" dirty="0"/>
@@ -4081,31 +4021,11 @@
             <a:pPr algn="just"/>
             <a:r>
               <a:rPr lang="en-GB" sz="2400" b="1" dirty="0" smtClean="0"/>
-              <a:t>Mel-Frequency Cepstral Coefficient </a:t>
-            </a:r>
-            <a:r>
-              <a:rPr lang="en-GB" sz="2400" b="1" dirty="0" smtClean="0"/>
-              <a:t>plot of human speech. </a:t>
+              <a:t>Mel-Frequency Cepstral Coefficient plot of human speech. </a:t>
             </a:r>
             <a:r>
               <a:rPr lang="en-GB" sz="2400" dirty="0" smtClean="0"/>
-              <a:t>On </a:t>
-            </a:r>
-            <a:r>
-              <a:rPr lang="en-GB" sz="2400" dirty="0" smtClean="0"/>
-              <a:t>the vertical axis: Frequency </a:t>
-            </a:r>
-            <a:r>
-              <a:rPr lang="en-GB" sz="2400" dirty="0" smtClean="0"/>
-              <a:t>bins. On the horizontal axis: </a:t>
-            </a:r>
-            <a:r>
-              <a:rPr lang="en-GB" sz="2400" dirty="0" smtClean="0"/>
-              <a:t>Time. Ranging from blue to red, the raw audio-wave contains less to more frequencies in a given bin. The value of a bin is reduced by neighbouring bin values. </a:t>
-            </a:r>
-            <a:r>
-              <a:rPr lang="en-GB" sz="2400" dirty="0" smtClean="0"/>
-              <a:t>The MFCC helps reduce the dimensionality of a Fourier transform through binning. It bins logarithmically, as to mimic the human auditory system that can differentiate lower frequencies better than higher ones. Note how there is more activity in the lower bins, where the frequencies are lower</a:t>
+              <a:t>On the vertical axis: Frequency bins. On the horizontal axis: Time. Ranging from blue to red, the raw audio-wave contains less to more frequencies in a given bin. The value of a bin is reduced by neighbouring bin values. The MFCC helps reduce the dimensionality of a Fourier transform through binning. It bins logarithmically, as to mimic the human auditory system that can differentiate lower frequencies better than higher ones. Note how there is more activity in the lower bins, where the frequencies are lower</a:t>
             </a:r>
             <a:r>
               <a:rPr lang="en-GB" sz="2400" dirty="0"/>
@@ -4302,7 +4222,7 @@
         </p:nvSpPr>
         <p:spPr>
           <a:xfrm>
-            <a:off x="15306221" y="9650137"/>
+            <a:off x="15306220" y="7647747"/>
             <a:ext cx="14968991" cy="1200329"/>
           </a:xfrm>
           <a:prstGeom prst="rect">
@@ -4331,7 +4251,7 @@
         </p:nvSpPr>
         <p:spPr>
           <a:xfrm>
-            <a:off x="15306221" y="10850466"/>
+            <a:off x="15401527" y="9022884"/>
             <a:ext cx="14656409" cy="1938992"/>
           </a:xfrm>
           <a:prstGeom prst="rect">
@@ -4391,7 +4311,7 @@
         </p:blipFill>
         <p:spPr>
           <a:xfrm>
-            <a:off x="20536725" y="12971646"/>
+            <a:off x="20482971" y="11138293"/>
             <a:ext cx="4386014" cy="4121934"/>
           </a:xfrm>
           <a:prstGeom prst="rect">
@@ -4412,7 +4332,7 @@
         </p:nvSpPr>
         <p:spPr>
           <a:xfrm>
-            <a:off x="15306221" y="17544605"/>
+            <a:off x="15343047" y="15616858"/>
             <a:ext cx="14968991" cy="954107"/>
           </a:xfrm>
           <a:prstGeom prst="rect">
@@ -4429,19 +4349,7 @@
             <a:pPr algn="just"/>
             <a:r>
               <a:rPr lang="en-GB" sz="2800" dirty="0" smtClean="0"/>
-              <a:t>In order of relevance and from left to right: frequency </a:t>
-            </a:r>
-            <a:r>
-              <a:rPr lang="en-GB" sz="2800" dirty="0" smtClean="0"/>
-              <a:t>plot for frequency occurrence around 933Hz, mean </a:t>
-            </a:r>
-            <a:r>
-              <a:rPr lang="en-GB" sz="2800" dirty="0" smtClean="0"/>
-              <a:t>spectral Chroma </a:t>
-            </a:r>
-            <a:r>
-              <a:rPr lang="en-GB" sz="2800" dirty="0" smtClean="0"/>
-              <a:t>feature (pitch), and frequency occurrence around 660Hz.</a:t>
+              <a:t>In order of relevance and from left to right: frequency plot for frequency occurrence around 933Hz, mean spectral Chroma feature (pitch), and frequency occurrence around 660Hz.</a:t>
             </a:r>
             <a:endParaRPr lang="en-GB" sz="2800" dirty="0"/>
           </a:p>
@@ -4455,7 +4363,7 @@
         </p:nvSpPr>
         <p:spPr>
           <a:xfrm>
-            <a:off x="15343047" y="18903900"/>
+            <a:off x="15306220" y="16770073"/>
             <a:ext cx="14582757" cy="523220"/>
           </a:xfrm>
           <a:prstGeom prst="rect">
@@ -4485,8 +4393,8 @@
         </p:nvSpPr>
         <p:spPr>
           <a:xfrm>
-            <a:off x="15306220" y="20326328"/>
-            <a:ext cx="14312584" cy="7848302"/>
+            <a:off x="15299869" y="18375225"/>
+            <a:ext cx="14312584" cy="8586966"/>
           </a:xfrm>
           <a:prstGeom prst="rect">
             <a:avLst/>
@@ -4502,11 +4410,7 @@
             <a:pPr algn="just"/>
             <a:r>
               <a:rPr lang="en-GB" sz="2800" dirty="0" smtClean="0"/>
-              <a:t>We </a:t>
-            </a:r>
-            <a:r>
-              <a:rPr lang="en-GB" sz="2800" dirty="0" smtClean="0"/>
-              <a:t>trained our models on the English dataset. By just keeping gender classes “male” and “female” we could get a balanced </a:t>
+              <a:t>We trained our models on the English dataset. By just keeping gender classes “male” and “female” we could get a balanced </a:t>
             </a:r>
             <a:r>
               <a:rPr lang="en-GB" sz="2800" dirty="0"/>
@@ -4514,19 +4418,7 @@
             </a:r>
             <a:r>
               <a:rPr lang="en-GB" sz="2800" dirty="0" smtClean="0"/>
-              <a:t>11583 rows. This gave us accuracy of 91.80% using the Random </a:t>
-            </a:r>
-            <a:r>
-              <a:rPr lang="en-GB" sz="2800" dirty="0" smtClean="0"/>
-              <a:t>Forest (RF) </a:t>
-            </a:r>
-            <a:r>
-              <a:rPr lang="en-GB" sz="2800" dirty="0" smtClean="0"/>
-              <a:t>algorithm and 81.24% accuracy using </a:t>
-            </a:r>
-            <a:r>
-              <a:rPr lang="en-GB" sz="2800" dirty="0" smtClean="0"/>
-              <a:t>a Support Vector Classifier with a linear kernel. By omitting the “other” gender, the RF model had</a:t>
+              <a:t>11583 rows. This gave us accuracy of 91.80% using the Random Forest (RF) algorithm and 81.24% accuracy using a Support Vector Classifier with a linear kernel. By omitting the “other” gender, the RF model had</a:t>
             </a:r>
           </a:p>
           <a:p>
@@ -4542,7 +4434,6 @@
               <a:rPr lang="en-GB" sz="2800" dirty="0" smtClean="0"/>
               <a:t>Greatest importance is no longer MFCC15 but MFCC19.</a:t>
             </a:r>
-            <a:endParaRPr lang="en-GB" sz="2800" dirty="0" smtClean="0"/>
           </a:p>
           <a:p>
             <a:pPr algn="just"/>
@@ -4565,21 +4456,12 @@
               <a:rPr lang="en-GB" sz="2800" dirty="0" smtClean="0"/>
               <a:t>ataset and used it to classify genders in other languages.</a:t>
             </a:r>
-            <a:endParaRPr lang="en-GB" sz="2800" dirty="0" smtClean="0"/>
           </a:p>
           <a:p>
             <a:pPr algn="just"/>
             <a:r>
               <a:rPr lang="en-GB" sz="2800" dirty="0" smtClean="0"/>
-              <a:t>Estonian – RF accuracy: 87.92% , </a:t>
-            </a:r>
-            <a:r>
-              <a:rPr lang="en-GB" sz="2800" dirty="0" smtClean="0"/>
-              <a:t>SVC(Linear</a:t>
-            </a:r>
-            <a:r>
-              <a:rPr lang="en-GB" sz="2800" dirty="0" smtClean="0"/>
-              <a:t>) accuracy: 86.22%</a:t>
+              <a:t>Estonian – RF accuracy: 87.92% , SVC(Linear) accuracy: 86.22%</a:t>
             </a:r>
           </a:p>
           <a:p>
@@ -4703,81 +4585,114 @@
             </a:r>
             <a:r>
               <a:rPr lang="en-GB" sz="2800" dirty="0" smtClean="0"/>
-              <a:t>85.43%</a:t>
+              <a:t>85.43</a:t>
+            </a:r>
+            <a:r>
+              <a:rPr lang="en-GB" sz="2800" dirty="0" smtClean="0"/>
+              <a:t>%</a:t>
             </a:r>
             <a:endParaRPr lang="en-GB" sz="2800" dirty="0"/>
           </a:p>
           <a:p>
             <a:pPr algn="just"/>
-            <a:endParaRPr lang="en-GB" sz="2800" dirty="0"/>
+            <a:r>
+              <a:rPr lang="en-GB" sz="2000" dirty="0" smtClean="0"/>
+              <a:t>  </a:t>
+            </a:r>
           </a:p>
           <a:p>
             <a:pPr algn="just"/>
             <a:r>
               <a:rPr lang="en-GB" sz="2800" dirty="0" smtClean="0"/>
-              <a:t>You can see that the RF models were just as accurate in classifying genders in Chinese, but they were the worst at classifying genders in Italian. It is also notable that the SVC was better at classifying genders in other languages than English.</a:t>
-            </a:r>
-            <a:endParaRPr lang="en-GB" sz="2800" dirty="0" smtClean="0"/>
-          </a:p>
-        </p:txBody>
-      </p:sp>
-      <p:graphicFrame>
-        <p:nvGraphicFramePr>
-          <p:cNvPr id="29" name="Object 28"/>
-          <p:cNvGraphicFramePr>
-            <a:graphicFrameLocks noChangeAspect="1"/>
-          </p:cNvGraphicFramePr>
-          <p:nvPr>
-            <p:extLst>
-              <p:ext uri="{D42A27DB-BD31-4B8C-83A1-F6EECF244321}">
-                <p14:modId xmlns:p14="http://schemas.microsoft.com/office/powerpoint/2010/main" val="2333033036"/>
-              </p:ext>
-            </p:extLst>
-          </p:nvPr>
-        </p:nvGraphicFramePr>
-        <p:xfrm>
-          <a:off x="24605836" y="21685150"/>
-          <a:ext cx="5092633" cy="4093342"/>
-        </p:xfrm>
-        <a:graphic>
-          <a:graphicData uri="http://schemas.openxmlformats.org/presentationml/2006/ole">
-            <mc:AlternateContent xmlns:mc="http://schemas.openxmlformats.org/markup-compatibility/2006">
-              <mc:Choice xmlns:v="urn:schemas-microsoft-com:vml" Requires="v">
-                <p:oleObj spid="_x0000_s1039" name="PDF" r:id="rId10" imgW="0" imgH="360" progId="FoxitReader.Document">
-                  <p:embed/>
-                </p:oleObj>
-              </mc:Choice>
-              <mc:Fallback>
-                <p:oleObj name="PDF" r:id="rId10" imgW="0" imgH="360" progId="FoxitReader.Document">
-                  <p:embed/>
-                  <p:pic>
-                    <p:nvPicPr>
-                      <p:cNvPr id="0" name=""/>
-                      <p:cNvPicPr/>
-                      <p:nvPr/>
-                    </p:nvPicPr>
-                    <p:blipFill>
-                      <a:blip r:embed="rId11"/>
-                      <a:stretch>
-                        <a:fillRect/>
-                      </a:stretch>
-                    </p:blipFill>
-                    <p:spPr>
-                      <a:xfrm>
-                        <a:off x="24605836" y="21685150"/>
-                        <a:ext cx="5092633" cy="4093342"/>
-                      </a:xfrm>
-                      <a:prstGeom prst="rect">
-                        <a:avLst/>
-                      </a:prstGeom>
-                    </p:spPr>
-                  </p:pic>
-                </p:oleObj>
-              </mc:Fallback>
-            </mc:AlternateContent>
-          </a:graphicData>
-        </a:graphic>
-      </p:graphicFrame>
+              <a:t>You </a:t>
+            </a:r>
+            <a:r>
+              <a:rPr lang="en-GB" sz="2800" dirty="0" smtClean="0"/>
+              <a:t>can see that the RF models were just as accurate </a:t>
+            </a:r>
+            <a:r>
+              <a:rPr lang="en-GB" sz="2800" dirty="0" smtClean="0"/>
+              <a:t>in</a:t>
+            </a:r>
+          </a:p>
+          <a:p>
+            <a:pPr algn="just"/>
+            <a:r>
+              <a:rPr lang="en-GB" sz="2800" dirty="0"/>
+              <a:t>c</a:t>
+            </a:r>
+            <a:r>
+              <a:rPr lang="en-GB" sz="2800" dirty="0" smtClean="0"/>
+              <a:t>lassifying</a:t>
+            </a:r>
+            <a:r>
+              <a:rPr lang="en-GB" sz="2800" dirty="0" smtClean="0"/>
+              <a:t> </a:t>
+            </a:r>
+            <a:r>
+              <a:rPr lang="en-GB" sz="2800" dirty="0" smtClean="0"/>
+              <a:t>genders </a:t>
+            </a:r>
+            <a:r>
+              <a:rPr lang="en-GB" sz="2800" dirty="0" smtClean="0"/>
+              <a:t>in Chinese, but they were the worst </a:t>
+            </a:r>
+            <a:r>
+              <a:rPr lang="en-GB" sz="2800" dirty="0" smtClean="0"/>
+              <a:t>at</a:t>
+            </a:r>
+          </a:p>
+          <a:p>
+            <a:pPr algn="just"/>
+            <a:r>
+              <a:rPr lang="en-GB" sz="2800" dirty="0" smtClean="0"/>
+              <a:t>classifying </a:t>
+            </a:r>
+            <a:r>
+              <a:rPr lang="en-GB" sz="2800" dirty="0" smtClean="0"/>
+              <a:t>genders </a:t>
+            </a:r>
+            <a:r>
+              <a:rPr lang="en-GB" sz="2800" dirty="0" smtClean="0"/>
+              <a:t>in </a:t>
+            </a:r>
+            <a:r>
+              <a:rPr lang="en-GB" sz="2800" dirty="0" smtClean="0"/>
+              <a:t>Italian. It is also notable that </a:t>
+            </a:r>
+            <a:r>
+              <a:rPr lang="en-GB" sz="2800" dirty="0" smtClean="0"/>
+              <a:t>the</a:t>
+            </a:r>
+          </a:p>
+          <a:p>
+            <a:pPr algn="just"/>
+            <a:r>
+              <a:rPr lang="en-GB" sz="2800" dirty="0" smtClean="0"/>
+              <a:t>SVC </a:t>
+            </a:r>
+            <a:r>
+              <a:rPr lang="en-GB" sz="2800" dirty="0" smtClean="0"/>
+              <a:t>was better at classifying genders in other </a:t>
+            </a:r>
+            <a:r>
+              <a:rPr lang="en-GB" sz="2800" dirty="0" smtClean="0"/>
+              <a:t>languages</a:t>
+            </a:r>
+          </a:p>
+          <a:p>
+            <a:pPr algn="just"/>
+            <a:r>
+              <a:rPr lang="en-GB" sz="2800" dirty="0" smtClean="0"/>
+              <a:t>than </a:t>
+            </a:r>
+            <a:r>
+              <a:rPr lang="en-GB" sz="2800" dirty="0" smtClean="0"/>
+              <a:t>English.</a:t>
+            </a:r>
+          </a:p>
+        </p:txBody>
+      </p:sp>
       <p:pic>
         <p:nvPicPr>
           <p:cNvPr id="22" name="Picture 21"/>
@@ -4787,14 +4702,14 @@
           <p:nvPr/>
         </p:nvPicPr>
         <p:blipFill>
-          <a:blip r:embed="rId12"/>
+          <a:blip r:embed="rId10"/>
           <a:stretch>
             <a:fillRect/>
           </a:stretch>
         </p:blipFill>
         <p:spPr>
           <a:xfrm>
-            <a:off x="15450339" y="12971647"/>
+            <a:off x="15414733" y="11166000"/>
             <a:ext cx="4555824" cy="4121934"/>
           </a:xfrm>
           <a:prstGeom prst="rect">
@@ -4816,14 +4731,14 @@
           <p:nvPr/>
         </p:nvPicPr>
         <p:blipFill>
-          <a:blip r:embed="rId13"/>
+          <a:blip r:embed="rId11"/>
           <a:stretch>
             <a:fillRect/>
           </a:stretch>
         </p:blipFill>
         <p:spPr>
           <a:xfrm>
-            <a:off x="25447553" y="12985842"/>
+            <a:off x="25381400" y="11157580"/>
             <a:ext cx="4544404" cy="4121934"/>
           </a:xfrm>
           <a:prstGeom prst="rect">
@@ -4844,7 +4759,7 @@
         </p:nvSpPr>
         <p:spPr>
           <a:xfrm>
-            <a:off x="15306221" y="19402998"/>
+            <a:off x="15299869" y="17445567"/>
             <a:ext cx="10196286" cy="923330"/>
           </a:xfrm>
           <a:prstGeom prst="rect">
@@ -4860,17 +4775,8 @@
           <a:p>
             <a:r>
               <a:rPr lang="en-GB" sz="5400" dirty="0" smtClean="0"/>
-              <a:t>Gender </a:t>
-            </a:r>
-            <a:r>
-              <a:rPr lang="en-GB" sz="5400" dirty="0" smtClean="0"/>
-              <a:t>C</a:t>
-            </a:r>
-            <a:r>
-              <a:rPr lang="en-GB" sz="5400" dirty="0" smtClean="0"/>
-              <a:t>lassification:</a:t>
-            </a:r>
-            <a:endParaRPr lang="en-GB" sz="5400" dirty="0" smtClean="0"/>
+              <a:t>Gender Classification:</a:t>
+            </a:r>
           </a:p>
         </p:txBody>
       </p:sp>
@@ -4898,17 +4804,8 @@
           <a:p>
             <a:r>
               <a:rPr lang="en-GB" sz="5400" dirty="0" smtClean="0"/>
-              <a:t>Accent </a:t>
-            </a:r>
-            <a:r>
-              <a:rPr lang="en-GB" sz="5400" dirty="0" smtClean="0"/>
-              <a:t>C</a:t>
-            </a:r>
-            <a:r>
-              <a:rPr lang="en-GB" sz="5400" dirty="0" smtClean="0"/>
-              <a:t>lassification:</a:t>
-            </a:r>
-            <a:endParaRPr lang="en-GB" sz="5400" dirty="0" smtClean="0"/>
+              <a:t>Accent Classification:</a:t>
+            </a:r>
           </a:p>
         </p:txBody>
       </p:sp>
@@ -4921,7 +4818,7 @@
           <p:nvPr/>
         </p:nvPicPr>
         <p:blipFill>
-          <a:blip r:embed="rId14">
+          <a:blip r:embed="rId12">
             <a:extLst>
               <a:ext uri="{28A0092B-C50C-407E-A947-70E740481C1C}">
                 <a14:useLocalDpi xmlns:a14="http://schemas.microsoft.com/office/drawing/2010/main" val="0"/>
@@ -4985,10 +4882,123 @@
               <a:rPr lang="en-GB" sz="2800" dirty="0" smtClean="0"/>
               <a:t>Below you can see a visualization of the “distance” between different accents. Note the wide dispersion of the accents “England” and “Canada”, most likely a result of those being the main accent in the old British Empire. Note the wide dispersion of the accent “Africa”, which most likely the results of the terms vagueness. </a:t>
             </a:r>
-            <a:endParaRPr lang="en-GB" sz="2800" dirty="0" smtClean="0"/>
-          </a:p>
-        </p:txBody>
-      </p:sp>
+          </a:p>
+        </p:txBody>
+      </p:sp>
+      <p:graphicFrame>
+        <p:nvGraphicFramePr>
+          <p:cNvPr id="15" name="Object 14"/>
+          <p:cNvGraphicFramePr>
+            <a:graphicFrameLocks noChangeAspect="1"/>
+          </p:cNvGraphicFramePr>
+          <p:nvPr>
+            <p:extLst>
+              <p:ext uri="{D42A27DB-BD31-4B8C-83A1-F6EECF244321}">
+                <p14:modId xmlns:p14="http://schemas.microsoft.com/office/powerpoint/2010/main" val="2451285150"/>
+              </p:ext>
+            </p:extLst>
+          </p:nvPr>
+        </p:nvGraphicFramePr>
+        <p:xfrm>
+          <a:off x="24624311" y="20171769"/>
+          <a:ext cx="6179495" cy="4143394"/>
+        </p:xfrm>
+        <a:graphic>
+          <a:graphicData uri="http://schemas.openxmlformats.org/presentationml/2006/ole">
+            <mc:AlternateContent xmlns:mc="http://schemas.openxmlformats.org/markup-compatibility/2006">
+              <mc:Choice xmlns:v="urn:schemas-microsoft-com:vml" Requires="v">
+                <p:oleObj spid="_x0000_s1052" name="PDF" r:id="rId13" imgW="0" imgH="360" progId="FoxitReader.Document">
+                  <p:embed/>
+                </p:oleObj>
+              </mc:Choice>
+              <mc:Fallback>
+                <p:oleObj name="PDF" r:id="rId13" imgW="0" imgH="360" progId="FoxitReader.Document">
+                  <p:embed/>
+                  <p:pic>
+                    <p:nvPicPr>
+                      <p:cNvPr id="0" name=""/>
+                      <p:cNvPicPr/>
+                      <p:nvPr/>
+                    </p:nvPicPr>
+                    <p:blipFill>
+                      <a:blip r:embed="rId14"/>
+                      <a:stretch>
+                        <a:fillRect/>
+                      </a:stretch>
+                    </p:blipFill>
+                    <p:spPr>
+                      <a:xfrm>
+                        <a:off x="24624311" y="20171769"/>
+                        <a:ext cx="6179495" cy="4143394"/>
+                      </a:xfrm>
+                      <a:prstGeom prst="rect">
+                        <a:avLst/>
+                      </a:prstGeom>
+                    </p:spPr>
+                  </p:pic>
+                </p:oleObj>
+              </mc:Fallback>
+            </mc:AlternateContent>
+          </a:graphicData>
+        </a:graphic>
+      </p:graphicFrame>
+      <p:graphicFrame>
+        <p:nvGraphicFramePr>
+          <p:cNvPr id="11" name="Object 10"/>
+          <p:cNvGraphicFramePr>
+            <a:graphicFrameLocks noChangeAspect="1"/>
+          </p:cNvGraphicFramePr>
+          <p:nvPr>
+            <p:extLst>
+              <p:ext uri="{D42A27DB-BD31-4B8C-83A1-F6EECF244321}">
+                <p14:modId xmlns:p14="http://schemas.microsoft.com/office/powerpoint/2010/main" val="2867088743"/>
+              </p:ext>
+            </p:extLst>
+          </p:nvPr>
+        </p:nvGraphicFramePr>
+        <p:xfrm>
+          <a:off x="24624311" y="24280183"/>
+          <a:ext cx="6179495" cy="4143394"/>
+        </p:xfrm>
+        <a:graphic>
+          <a:graphicData uri="http://schemas.openxmlformats.org/presentationml/2006/ole">
+            <mc:AlternateContent xmlns:mc="http://schemas.openxmlformats.org/markup-compatibility/2006">
+              <mc:Choice xmlns:v="urn:schemas-microsoft-com:vml" Requires="v">
+                <p:oleObj spid="_x0000_s1053" name="PDF" r:id="rId15" imgW="0" imgH="360" progId="FoxitReader.Document">
+                  <p:embed/>
+                </p:oleObj>
+              </mc:Choice>
+              <mc:Fallback>
+                <p:oleObj name="PDF" r:id="rId15" imgW="0" imgH="360" progId="FoxitReader.Document">
+                  <p:embed/>
+                  <p:pic>
+                    <p:nvPicPr>
+                      <p:cNvPr id="0" name=""/>
+                      <p:cNvPicPr/>
+                      <p:nvPr/>
+                    </p:nvPicPr>
+                    <p:blipFill>
+                      <a:blip r:embed="rId16"/>
+                      <a:stretch>
+                        <a:fillRect/>
+                      </a:stretch>
+                    </p:blipFill>
+                    <p:spPr>
+                      <a:xfrm>
+                        <a:off x="24624311" y="24280183"/>
+                        <a:ext cx="6179495" cy="4143394"/>
+                      </a:xfrm>
+                      <a:prstGeom prst="rect">
+                        <a:avLst/>
+                      </a:prstGeom>
+                    </p:spPr>
+                  </p:pic>
+                </p:oleObj>
+              </mc:Fallback>
+            </mc:AlternateContent>
+          </a:graphicData>
+        </a:graphic>
+      </p:graphicFrame>
     </p:spTree>
     <p:extLst>
       <p:ext uri="{BB962C8B-B14F-4D97-AF65-F5344CB8AC3E}">
